--- a/ppts/Lesson2.pptx
+++ b/ppts/Lesson2.pptx
@@ -12,12 +12,12 @@
     <p:sldId id="256" r:id="rId3"/>
     <p:sldId id="2147480362" r:id="rId4"/>
     <p:sldId id="2147480350" r:id="rId5"/>
-    <p:sldId id="2147480361" r:id="rId6"/>
-    <p:sldId id="2147480358" r:id="rId7"/>
-    <p:sldId id="2147480352" r:id="rId8"/>
-    <p:sldId id="2147480359" r:id="rId9"/>
-    <p:sldId id="2147480360" r:id="rId10"/>
-    <p:sldId id="2147480353" r:id="rId11"/>
+    <p:sldId id="2147480358" r:id="rId6"/>
+    <p:sldId id="2147480364" r:id="rId7"/>
+    <p:sldId id="2147480363" r:id="rId8"/>
+    <p:sldId id="2147480352" r:id="rId9"/>
+    <p:sldId id="2147480359" r:id="rId10"/>
+    <p:sldId id="2147480360" r:id="rId11"/>
     <p:sldId id="2147480355" r:id="rId12"/>
   </p:sldIdLst>
   <p:sldSz cx="12192000" cy="6858000"/>
@@ -207,7 +207,7 @@
           <a:p>
             <a:fld id="{B1966D0E-6323-4B53-AD4C-A8BF5E0757DB}" type="datetimeFigureOut">
               <a:rPr lang="en-US" smtClean="0"/>
-              <a:t>5/21/2024</a:t>
+              <a:t>5/24/2024</a:t>
             </a:fld>
             <a:endParaRPr lang="en-US"/>
           </a:p>
@@ -579,93 +579,6 @@
 </p:notes>
 </file>
 
-<file path=ppt/notesSlides/notesSlide10.xml><?xml version="1.0" encoding="utf-8"?>
-<p:notes xmlns:a="http://schemas.openxmlformats.org/drawingml/2006/main" xmlns:r="http://schemas.openxmlformats.org/officeDocument/2006/relationships" xmlns:p="http://schemas.openxmlformats.org/presentationml/2006/main">
-  <p:cSld>
-    <p:spTree>
-      <p:nvGrpSpPr>
-        <p:cNvPr id="1" name=""/>
-        <p:cNvGrpSpPr/>
-        <p:nvPr/>
-      </p:nvGrpSpPr>
-      <p:grpSpPr>
-        <a:xfrm>
-          <a:off x="0" y="0"/>
-          <a:ext cx="0" cy="0"/>
-          <a:chOff x="0" y="0"/>
-          <a:chExt cx="0" cy="0"/>
-        </a:xfrm>
-      </p:grpSpPr>
-      <p:sp>
-        <p:nvSpPr>
-          <p:cNvPr id="2" name="Slide Image Placeholder 1"/>
-          <p:cNvSpPr>
-            <a:spLocks noGrp="1" noRot="1" noChangeAspect="1"/>
-          </p:cNvSpPr>
-          <p:nvPr>
-            <p:ph type="sldImg"/>
-          </p:nvPr>
-        </p:nvSpPr>
-        <p:spPr/>
-      </p:sp>
-      <p:sp>
-        <p:nvSpPr>
-          <p:cNvPr id="3" name="Notes Placeholder 2"/>
-          <p:cNvSpPr>
-            <a:spLocks noGrp="1"/>
-          </p:cNvSpPr>
-          <p:nvPr>
-            <p:ph type="body" idx="1"/>
-          </p:nvPr>
-        </p:nvSpPr>
-        <p:spPr/>
-        <p:txBody>
-          <a:bodyPr/>
-          <a:lstStyle/>
-          <a:p>
-            <a:r>
-              <a:rPr lang="en-US" dirty="0"/>
-              <a:t>As noted earlier, this session is intended to be a hands-on keyboard type of </a:t>
-            </a:r>
-          </a:p>
-        </p:txBody>
-      </p:sp>
-      <p:sp>
-        <p:nvSpPr>
-          <p:cNvPr id="4" name="Slide Number Placeholder 3"/>
-          <p:cNvSpPr>
-            <a:spLocks noGrp="1"/>
-          </p:cNvSpPr>
-          <p:nvPr>
-            <p:ph type="sldNum" sz="quarter" idx="5"/>
-          </p:nvPr>
-        </p:nvSpPr>
-        <p:spPr/>
-        <p:txBody>
-          <a:bodyPr/>
-          <a:lstStyle/>
-          <a:p>
-            <a:fld id="{418DB7D2-5196-4B99-A361-3B82269EBCEE}" type="slidenum">
-              <a:rPr lang="en-US" smtClean="0"/>
-              <a:t>10</a:t>
-            </a:fld>
-            <a:endParaRPr lang="en-US"/>
-          </a:p>
-        </p:txBody>
-      </p:sp>
-    </p:spTree>
-    <p:extLst>
-      <p:ext uri="{BB962C8B-B14F-4D97-AF65-F5344CB8AC3E}">
-        <p14:creationId xmlns:p14="http://schemas.microsoft.com/office/powerpoint/2010/main" val="3947573093"/>
-      </p:ext>
-    </p:extLst>
-  </p:cSld>
-  <p:clrMapOvr>
-    <a:masterClrMapping/>
-  </p:clrMapOvr>
-</p:notes>
-</file>
-
 <file path=ppt/notesSlides/notesSlide2.xml><?xml version="1.0" encoding="utf-8"?>
 <p:notes xmlns:a="http://schemas.openxmlformats.org/drawingml/2006/main" xmlns:r="http://schemas.openxmlformats.org/officeDocument/2006/relationships" xmlns:p="http://schemas.openxmlformats.org/presentationml/2006/main">
   <p:cSld>
@@ -797,10 +710,7 @@
           <a:bodyPr/>
           <a:lstStyle/>
           <a:p>
-            <a:r>
-              <a:rPr lang="en-US" dirty="0"/>
-              <a:t>Let’s get right into the Agenda.  I have 3 guest speakers joining us today.  Matthew will be providing us with SK roadmap update, Sophia will provide a doc/sample update and Chris will give an update on Features.  I will then dive into Why SK then we will dive right into Lesson 1 by building our first app.   </a:t>
-            </a:r>
+            <a:endParaRPr lang="en-US" dirty="0"/>
           </a:p>
         </p:txBody>
       </p:sp>
@@ -943,7 +853,7 @@
     </p:spTree>
     <p:extLst>
       <p:ext uri="{BB962C8B-B14F-4D97-AF65-F5344CB8AC3E}">
-        <p14:creationId xmlns:p14="http://schemas.microsoft.com/office/powerpoint/2010/main" val="3583148595"/>
+        <p14:creationId xmlns:p14="http://schemas.microsoft.com/office/powerpoint/2010/main" val="4149009848"/>
       </p:ext>
     </p:extLst>
   </p:cSld>
@@ -999,33 +909,7 @@
           <a:p>
             <a:r>
               <a:rPr lang="en-US" dirty="0"/>
-              <a:t>Before we get into the prompts I want to reiterate the importance of understanding the Chat Completion API structures, specifically the messages array.  1</a:t>
-            </a:r>
-            <a:r>
-              <a:rPr lang="en-US" baseline="30000" dirty="0"/>
-              <a:t>st</a:t>
-            </a:r>
-            <a:r>
-              <a:rPr lang="en-US" dirty="0"/>
-              <a:t> – I’d recommend that you take a close look at the Azure OpenAI REST API reference document.  2</a:t>
-            </a:r>
-            <a:r>
-              <a:rPr lang="en-US" baseline="30000" dirty="0"/>
-              <a:t>nd</a:t>
-            </a:r>
-            <a:r>
-              <a:rPr lang="en-US" dirty="0"/>
-              <a:t> – I would recommend that you play with the Chat Completion endpoints using Postman.  You can find a Postman Chat Completion Collection in my AI Fundamentals repo.</a:t>
-            </a:r>
-            <a:br>
-              <a:rPr lang="en-US" dirty="0"/>
-            </a:br>
-            <a:br>
-              <a:rPr lang="en-US" dirty="0"/>
-            </a:br>
-            <a:r>
-              <a:rPr lang="en-US" dirty="0"/>
-              <a:t>So all of you are familiar with Interpolated Strings.  You can see I have a simple C# example in-which I am injected the age and name of a person using an Interpolated string.  This is a fundamental concept that exists in most languages.  So now lets take this Interpolated String example and use it with Semantic Kernel.  Here you see I have an Input Variable and a prompt variable which is an interpolated string.  Now, by combining our knowledge of the Chat Completion Message Structure, we and use that in our Interpolated string.  I am showing you this because there are various ways to deal with Prompts in Semantic Kernel and each have their place.  We see each of these concepts in action when I get to the actually demos.</a:t>
+              <a:t>Before I dive into Native Plugins, let me cover the prompt aspect of SK </a:t>
             </a:r>
           </a:p>
         </p:txBody>
@@ -1047,7 +931,7 @@
           <a:p>
             <a:fld id="{418DB7D2-5196-4B99-A361-3B82269EBCEE}" type="slidenum">
               <a:rPr lang="en-US" smtClean="0"/>
-              <a:t>5</a:t>
+              <a:t>6</a:t>
             </a:fld>
             <a:endParaRPr lang="en-US"/>
           </a:p>
@@ -1056,7 +940,7 @@
     </p:spTree>
     <p:extLst>
       <p:ext uri="{BB962C8B-B14F-4D97-AF65-F5344CB8AC3E}">
-        <p14:creationId xmlns:p14="http://schemas.microsoft.com/office/powerpoint/2010/main" val="4149009848"/>
+        <p14:creationId xmlns:p14="http://schemas.microsoft.com/office/powerpoint/2010/main" val="2429708032"/>
       </p:ext>
     </p:extLst>
   </p:cSld>
@@ -1112,7 +996,7 @@
           <a:p>
             <a:r>
               <a:rPr lang="en-US" dirty="0"/>
-              <a:t>Let’s take a look at how we use prompts in Semantic Kernel.  We have the typical SK Template Language which you see here.  You can see it uses a similar pattern that you say in the Interpolated String I just showed you with the exception that it uses two curly braces on each side.  The $query denotes an argument that I can pass into the prompt when it’s loaded.  I can also use this syntax to call functions that are exposed via plugins.  SK understands the Chat Completion Message structure so you can inject that into your prompt as well, as demonstrated with this last example.</a:t>
+              <a:t>Let’s look at how we use prompts in Semantic Kernel and how those become plugins.  We have the typical SK Template Language which you see here.  You can see it uses a similar pattern that you say in the Interpolated String I just showed you with the exception that it uses two curly braces on each side.  The $query denotes an argument that I can pass into the prompt when it’s loaded.  I can also use this syntax to call functions that are exposed via plugins.  SK understands the Chat Completion Message structure so you can inject that into your prompt as well, as demonstrated with this last example.</a:t>
             </a:r>
           </a:p>
         </p:txBody>
@@ -1134,7 +1018,7 @@
           <a:p>
             <a:fld id="{418DB7D2-5196-4B99-A361-3B82269EBCEE}" type="slidenum">
               <a:rPr lang="en-US" smtClean="0"/>
-              <a:t>6</a:t>
+              <a:t>7</a:t>
             </a:fld>
             <a:endParaRPr lang="en-US"/>
           </a:p>
@@ -1229,7 +1113,7 @@
           <a:p>
             <a:fld id="{418DB7D2-5196-4B99-A361-3B82269EBCEE}" type="slidenum">
               <a:rPr lang="en-US" smtClean="0"/>
-              <a:t>7</a:t>
+              <a:t>8</a:t>
             </a:fld>
             <a:endParaRPr lang="en-US"/>
           </a:p>
@@ -1316,7 +1200,7 @@
           <a:p>
             <a:fld id="{418DB7D2-5196-4B99-A361-3B82269EBCEE}" type="slidenum">
               <a:rPr lang="en-US" smtClean="0"/>
-              <a:t>8</a:t>
+              <a:t>9</a:t>
             </a:fld>
             <a:endParaRPr lang="en-US"/>
           </a:p>
@@ -1381,55 +1265,8 @@
           <a:p>
             <a:r>
               <a:rPr lang="en-US" dirty="0"/>
-              <a:t>In order to make complex and use AI based solutions, you really need more than just the power of the LLM.  What you need are ways to integrate with the power of the models and this is where framework like Semantic Kernel can take your solutions to the next level.  SK is easy to use and is lightweight, you can expect parity across .NET, Python and Java and this is not something we can say about </a:t>
+              <a:t>As noted earlier, this session is intended to be a hands-on keyboard type of </a:t>
             </a:r>
-            <a:r>
-              <a:rPr lang="en-US" dirty="0" err="1"/>
-              <a:t>Langchain</a:t>
-            </a:r>
-            <a:r>
-              <a:rPr lang="en-US" dirty="0"/>
-              <a:t> today.  We are committed to not introducing anymore breaking changes for non-experimental features as of 1.0.</a:t>
-            </a:r>
-          </a:p>
-          <a:p>
-            <a:endParaRPr lang="en-US" dirty="0"/>
-          </a:p>
-          <a:p>
-            <a:r>
-              <a:rPr lang="en-US" dirty="0"/>
-              <a:t>You can expect to see more connectors for the most popular models like Gemini, Lama, Claude and many more.</a:t>
-            </a:r>
-          </a:p>
-          <a:p>
-            <a:endParaRPr lang="en-US" dirty="0"/>
-          </a:p>
-          <a:p>
-            <a:r>
-              <a:rPr lang="en-US" dirty="0"/>
-              <a:t>We will make it easier to support Multi-Modal experiences i.e. interacting with audio, images, videos etc.</a:t>
-            </a:r>
-          </a:p>
-          <a:p>
-            <a:endParaRPr lang="en-US" dirty="0"/>
-          </a:p>
-          <a:p>
-            <a:r>
-              <a:rPr lang="en-US" dirty="0"/>
-              <a:t>We already have first-class for support for agents AKA Assistants API, and you can expect this to be a very important workstream.  I fully expect customer will be refactoring many of their solutions to use Agents soon.</a:t>
-            </a:r>
-          </a:p>
-          <a:p>
-            <a:endParaRPr lang="en-US" dirty="0"/>
-          </a:p>
-          <a:p>
-            <a:r>
-              <a:rPr lang="en-US" dirty="0"/>
-              <a:t>I hope this helps you better understand why making use of Orchestration Framework like SK is a good idea.   Let’s get right into building our first SK App.</a:t>
-            </a:r>
-          </a:p>
-          <a:p>
-            <a:endParaRPr lang="en-US" dirty="0"/>
           </a:p>
         </p:txBody>
       </p:sp>
@@ -1450,7 +1287,7 @@
           <a:p>
             <a:fld id="{418DB7D2-5196-4B99-A361-3B82269EBCEE}" type="slidenum">
               <a:rPr lang="en-US" smtClean="0"/>
-              <a:t>9</a:t>
+              <a:t>10</a:t>
             </a:fld>
             <a:endParaRPr lang="en-US"/>
           </a:p>
@@ -1459,7 +1296,7 @@
     </p:spTree>
     <p:extLst>
       <p:ext uri="{BB962C8B-B14F-4D97-AF65-F5344CB8AC3E}">
-        <p14:creationId xmlns:p14="http://schemas.microsoft.com/office/powerpoint/2010/main" val="4220265100"/>
+        <p14:creationId xmlns:p14="http://schemas.microsoft.com/office/powerpoint/2010/main" val="3947573093"/>
       </p:ext>
     </p:extLst>
   </p:cSld>
@@ -1616,7 +1453,7 @@
           <a:p>
             <a:fld id="{BB12C7E7-2854-453C-ADEE-85B5D7007E18}" type="datetimeFigureOut">
               <a:rPr lang="en-US" smtClean="0"/>
-              <a:t>5/21/2024</a:t>
+              <a:t>5/24/2024</a:t>
             </a:fld>
             <a:endParaRPr lang="en-US"/>
           </a:p>
@@ -1814,7 +1651,7 @@
           <a:p>
             <a:fld id="{BB12C7E7-2854-453C-ADEE-85B5D7007E18}" type="datetimeFigureOut">
               <a:rPr lang="en-US" smtClean="0"/>
-              <a:t>5/21/2024</a:t>
+              <a:t>5/24/2024</a:t>
             </a:fld>
             <a:endParaRPr lang="en-US"/>
           </a:p>
@@ -2022,7 +1859,7 @@
           <a:p>
             <a:fld id="{BB12C7E7-2854-453C-ADEE-85B5D7007E18}" type="datetimeFigureOut">
               <a:rPr lang="en-US" smtClean="0"/>
-              <a:t>5/21/2024</a:t>
+              <a:t>5/24/2024</a:t>
             </a:fld>
             <a:endParaRPr lang="en-US"/>
           </a:p>
@@ -2279,7 +2116,7 @@
           <a:p>
             <a:fld id="{BB12C7E7-2854-453C-ADEE-85B5D7007E18}" type="datetimeFigureOut">
               <a:rPr lang="en-US" smtClean="0"/>
-              <a:t>5/21/2024</a:t>
+              <a:t>5/24/2024</a:t>
             </a:fld>
             <a:endParaRPr lang="en-US"/>
           </a:p>
@@ -2554,7 +2391,7 @@
           <a:p>
             <a:fld id="{BB12C7E7-2854-453C-ADEE-85B5D7007E18}" type="datetimeFigureOut">
               <a:rPr lang="en-US" smtClean="0"/>
-              <a:t>5/21/2024</a:t>
+              <a:t>5/24/2024</a:t>
             </a:fld>
             <a:endParaRPr lang="en-US"/>
           </a:p>
@@ -2819,7 +2656,7 @@
           <a:p>
             <a:fld id="{BB12C7E7-2854-453C-ADEE-85B5D7007E18}" type="datetimeFigureOut">
               <a:rPr lang="en-US" smtClean="0"/>
-              <a:t>5/21/2024</a:t>
+              <a:t>5/24/2024</a:t>
             </a:fld>
             <a:endParaRPr lang="en-US"/>
           </a:p>
@@ -3231,7 +3068,7 @@
           <a:p>
             <a:fld id="{BB12C7E7-2854-453C-ADEE-85B5D7007E18}" type="datetimeFigureOut">
               <a:rPr lang="en-US" smtClean="0"/>
-              <a:t>5/21/2024</a:t>
+              <a:t>5/24/2024</a:t>
             </a:fld>
             <a:endParaRPr lang="en-US"/>
           </a:p>
@@ -3372,7 +3209,7 @@
           <a:p>
             <a:fld id="{BB12C7E7-2854-453C-ADEE-85B5D7007E18}" type="datetimeFigureOut">
               <a:rPr lang="en-US" smtClean="0"/>
-              <a:t>5/21/2024</a:t>
+              <a:t>5/24/2024</a:t>
             </a:fld>
             <a:endParaRPr lang="en-US"/>
           </a:p>
@@ -3485,7 +3322,7 @@
           <a:p>
             <a:fld id="{BB12C7E7-2854-453C-ADEE-85B5D7007E18}" type="datetimeFigureOut">
               <a:rPr lang="en-US" smtClean="0"/>
-              <a:t>5/21/2024</a:t>
+              <a:t>5/24/2024</a:t>
             </a:fld>
             <a:endParaRPr lang="en-US"/>
           </a:p>
@@ -3796,7 +3633,7 @@
           <a:p>
             <a:fld id="{BB12C7E7-2854-453C-ADEE-85B5D7007E18}" type="datetimeFigureOut">
               <a:rPr lang="en-US" smtClean="0"/>
-              <a:t>5/21/2024</a:t>
+              <a:t>5/24/2024</a:t>
             </a:fld>
             <a:endParaRPr lang="en-US"/>
           </a:p>
@@ -4084,7 +3921,7 @@
           <a:p>
             <a:fld id="{BB12C7E7-2854-453C-ADEE-85B5D7007E18}" type="datetimeFigureOut">
               <a:rPr lang="en-US" smtClean="0"/>
-              <a:t>5/21/2024</a:t>
+              <a:t>5/24/2024</a:t>
             </a:fld>
             <a:endParaRPr lang="en-US"/>
           </a:p>
@@ -4325,7 +4162,7 @@
           <a:p>
             <a:fld id="{BB12C7E7-2854-453C-ADEE-85B5D7007E18}" type="datetimeFigureOut">
               <a:rPr lang="en-US" smtClean="0"/>
-              <a:t>5/21/2024</a:t>
+              <a:t>5/24/2024</a:t>
             </a:fld>
             <a:endParaRPr lang="en-US"/>
           </a:p>
@@ -7255,7 +7092,7 @@
                 </a:solidFill>
                 <a:latin typeface="Segoe UI Semibold"/>
               </a:rPr>
-              <a:t>Prompts and Plugins</a:t>
+              <a:t>Plugins &amp; Prompts</a:t>
             </a:r>
           </a:p>
         </p:txBody>
@@ -7919,7 +7756,7 @@
                 <a:ea typeface="+mn-ea"/>
                 <a:cs typeface="Segoe UI" pitchFamily="34" charset="0"/>
               </a:rPr>
-              <a:t>Let’s build our first SK App!</a:t>
+              <a:t>Let’s dive into the code.</a:t>
             </a:r>
           </a:p>
         </p:txBody>
@@ -8619,10 +8456,10 @@
         </p:nvGrpSpPr>
         <p:grpSpPr>
           <a:xfrm>
-            <a:off x="1001158" y="3073694"/>
-            <a:ext cx="5972013" cy="2160000"/>
-            <a:chOff x="1118400" y="3073694"/>
-            <a:chExt cx="5972013" cy="2160000"/>
+            <a:off x="602844" y="3073694"/>
+            <a:ext cx="5892649" cy="2160000"/>
+            <a:chOff x="720086" y="3073694"/>
+            <a:chExt cx="5892649" cy="2160000"/>
           </a:xfrm>
         </p:grpSpPr>
         <p:sp>
@@ -8639,7 +8476,7 @@
           </p:nvSpPr>
           <p:spPr>
             <a:xfrm>
-              <a:off x="1469400" y="3073694"/>
+              <a:off x="3099630" y="3073694"/>
               <a:ext cx="1098000" cy="1098000"/>
             </a:xfrm>
             <a:prstGeom prst="ellipse">
@@ -8704,7 +8541,7 @@
           </p:nvSpPr>
           <p:spPr>
             <a:xfrm>
-              <a:off x="1703400" y="3307694"/>
+              <a:off x="3333630" y="3307694"/>
               <a:ext cx="630000" cy="630000"/>
             </a:xfrm>
             <a:prstGeom prst="rect">
@@ -8770,7 +8607,7 @@
           </p:nvSpPr>
           <p:spPr>
             <a:xfrm>
-              <a:off x="1118400" y="4513694"/>
+              <a:off x="2748630" y="4513694"/>
               <a:ext cx="1800000" cy="720000"/>
             </a:xfrm>
             <a:custGeom>
@@ -8914,9 +8751,9 @@
           </p:nvGrpSpPr>
           <p:grpSpPr>
             <a:xfrm>
-              <a:off x="3584400" y="3073694"/>
+              <a:off x="1071086" y="3073694"/>
               <a:ext cx="1098000" cy="1098000"/>
-              <a:chOff x="7814400" y="3073694"/>
+              <a:chOff x="5301086" y="3073694"/>
               <a:chExt cx="1098000" cy="1098000"/>
             </a:xfrm>
           </p:grpSpPr>
@@ -8934,7 +8771,7 @@
             </p:nvSpPr>
             <p:spPr>
               <a:xfrm>
-                <a:off x="7814400" y="3073694"/>
+                <a:off x="5301086" y="3073694"/>
                 <a:ext cx="1098000" cy="1098000"/>
               </a:xfrm>
               <a:prstGeom prst="ellipse">
@@ -8999,7 +8836,7 @@
             </p:nvSpPr>
             <p:spPr>
               <a:xfrm>
-                <a:off x="8048400" y="3307693"/>
+                <a:off x="5535086" y="3307693"/>
                 <a:ext cx="630000" cy="630000"/>
               </a:xfrm>
               <a:prstGeom prst="rect">
@@ -9066,7 +8903,7 @@
           </p:nvSpPr>
           <p:spPr>
             <a:xfrm>
-              <a:off x="3233400" y="4513694"/>
+              <a:off x="720086" y="4513694"/>
               <a:ext cx="1800000" cy="720000"/>
             </a:xfrm>
             <a:custGeom>
@@ -9210,7 +9047,7 @@
           </p:nvSpPr>
           <p:spPr>
             <a:xfrm>
-              <a:off x="5711730" y="3073694"/>
+              <a:off x="5234052" y="3073694"/>
               <a:ext cx="1098000" cy="1098000"/>
             </a:xfrm>
             <a:prstGeom prst="ellipse">
@@ -9275,7 +9112,7 @@
           </p:nvSpPr>
           <p:spPr>
             <a:xfrm>
-              <a:off x="5431047" y="4513694"/>
+              <a:off x="4953369" y="4513694"/>
               <a:ext cx="1659366" cy="720000"/>
             </a:xfrm>
             <a:custGeom>
@@ -9436,7 +9273,7 @@
           </p:blipFill>
           <p:spPr>
             <a:xfrm>
-              <a:off x="5926017" y="3307693"/>
+              <a:off x="5448339" y="3307693"/>
               <a:ext cx="669425" cy="630000"/>
             </a:xfrm>
             <a:prstGeom prst="rect">
@@ -9517,550 +9354,7 @@
                 <a:ea typeface="+mn-ea"/>
                 <a:cs typeface="Segoe UI" pitchFamily="34" charset="0"/>
               </a:rPr>
-              <a:t>SK: Plugins</a:t>
-            </a:r>
-          </a:p>
-        </p:txBody>
-      </p:sp>
-      <p:sp>
-        <p:nvSpPr>
-          <p:cNvPr id="11" name="Rectangle 10">
-            <a:extLst>
-              <a:ext uri="{FF2B5EF4-FFF2-40B4-BE49-F238E27FC236}">
-                <a16:creationId xmlns:a16="http://schemas.microsoft.com/office/drawing/2014/main" id="{F178DF49-D276-1EA2-FC0D-417590297948}"/>
-              </a:ext>
-            </a:extLst>
-          </p:cNvPr>
-          <p:cNvSpPr/>
-          <p:nvPr/>
-        </p:nvSpPr>
-        <p:spPr>
-          <a:xfrm>
-            <a:off x="541020" y="1014121"/>
-            <a:ext cx="4443154" cy="45719"/>
-          </a:xfrm>
-          <a:prstGeom prst="rect">
-            <a:avLst/>
-          </a:prstGeom>
-          <a:solidFill>
-            <a:schemeClr val="accent1">
-              <a:lumMod val="75000"/>
-            </a:schemeClr>
-          </a:solidFill>
-          <a:ln>
-            <a:solidFill>
-              <a:schemeClr val="accent1">
-                <a:lumMod val="75000"/>
-              </a:schemeClr>
-            </a:solidFill>
-          </a:ln>
-        </p:spPr>
-        <p:style>
-          <a:lnRef idx="2">
-            <a:schemeClr val="accent1">
-              <a:shade val="15000"/>
-            </a:schemeClr>
-          </a:lnRef>
-          <a:fillRef idx="1">
-            <a:schemeClr val="accent1"/>
-          </a:fillRef>
-          <a:effectRef idx="0">
-            <a:schemeClr val="accent1"/>
-          </a:effectRef>
-          <a:fontRef idx="minor">
-            <a:schemeClr val="lt1"/>
-          </a:fontRef>
-        </p:style>
-        <p:txBody>
-          <a:bodyPr rtlCol="0" anchor="ctr"/>
-          <a:lstStyle/>
-          <a:p>
-            <a:pPr algn="ctr"/>
-            <a:endParaRPr lang="en-US">
-              <a:solidFill>
-                <a:schemeClr val="accent1">
-                  <a:lumMod val="75000"/>
-                </a:schemeClr>
-              </a:solidFill>
-            </a:endParaRPr>
-          </a:p>
-        </p:txBody>
-      </p:sp>
-      <p:sp>
-        <p:nvSpPr>
-          <p:cNvPr id="12" name="Rectangle 11">
-            <a:extLst>
-              <a:ext uri="{FF2B5EF4-FFF2-40B4-BE49-F238E27FC236}">
-                <a16:creationId xmlns:a16="http://schemas.microsoft.com/office/drawing/2014/main" id="{6F9E7438-E527-D15A-C658-15EA4B04758D}"/>
-              </a:ext>
-            </a:extLst>
-          </p:cNvPr>
-          <p:cNvSpPr/>
-          <p:nvPr/>
-        </p:nvSpPr>
-        <p:spPr>
-          <a:xfrm>
-            <a:off x="541020" y="169594"/>
-            <a:ext cx="948690" cy="125729"/>
-          </a:xfrm>
-          <a:prstGeom prst="rect">
-            <a:avLst/>
-          </a:prstGeom>
-          <a:solidFill>
-            <a:schemeClr val="accent1">
-              <a:lumMod val="20000"/>
-              <a:lumOff val="80000"/>
-            </a:schemeClr>
-          </a:solidFill>
-          <a:ln>
-            <a:solidFill>
-              <a:schemeClr val="accent1">
-                <a:lumMod val="20000"/>
-                <a:lumOff val="80000"/>
-              </a:schemeClr>
-            </a:solidFill>
-          </a:ln>
-        </p:spPr>
-        <p:style>
-          <a:lnRef idx="2">
-            <a:schemeClr val="accent1">
-              <a:shade val="15000"/>
-            </a:schemeClr>
-          </a:lnRef>
-          <a:fillRef idx="1">
-            <a:schemeClr val="accent1"/>
-          </a:fillRef>
-          <a:effectRef idx="0">
-            <a:schemeClr val="accent1"/>
-          </a:effectRef>
-          <a:fontRef idx="minor">
-            <a:schemeClr val="lt1"/>
-          </a:fontRef>
-        </p:style>
-        <p:txBody>
-          <a:bodyPr rtlCol="0" anchor="ctr"/>
-          <a:lstStyle/>
-          <a:p>
-            <a:pPr algn="ctr"/>
-            <a:endParaRPr lang="en-US">
-              <a:ln>
-                <a:solidFill>
-                  <a:schemeClr val="accent1">
-                    <a:lumMod val="40000"/>
-                    <a:lumOff val="60000"/>
-                  </a:schemeClr>
-                </a:solidFill>
-              </a:ln>
-            </a:endParaRPr>
-          </a:p>
-        </p:txBody>
-      </p:sp>
-      <p:sp>
-        <p:nvSpPr>
-          <p:cNvPr id="37" name="TextBox 36">
-            <a:extLst>
-              <a:ext uri="{FF2B5EF4-FFF2-40B4-BE49-F238E27FC236}">
-                <a16:creationId xmlns:a16="http://schemas.microsoft.com/office/drawing/2014/main" id="{01D31EB5-4A8C-C79F-1A19-06491A35FBB3}"/>
-              </a:ext>
-            </a:extLst>
-          </p:cNvPr>
-          <p:cNvSpPr txBox="1"/>
-          <p:nvPr/>
-        </p:nvSpPr>
-        <p:spPr>
-          <a:xfrm>
-            <a:off x="1470793" y="36509"/>
-            <a:ext cx="439544" cy="369332"/>
-          </a:xfrm>
-          <a:prstGeom prst="rect">
-            <a:avLst/>
-          </a:prstGeom>
-          <a:noFill/>
-        </p:spPr>
-        <p:txBody>
-          <a:bodyPr wrap="none" rtlCol="0">
-            <a:spAutoFit/>
-          </a:bodyPr>
-          <a:lstStyle/>
-          <a:p>
-            <a:r>
-              <a:rPr lang="en-US" dirty="0">
-                <a:solidFill>
-                  <a:schemeClr val="accent4">
-                    <a:lumMod val="20000"/>
-                    <a:lumOff val="80000"/>
-                  </a:schemeClr>
-                </a:solidFill>
-              </a:rPr>
-              <a:t>::5</a:t>
-            </a:r>
-          </a:p>
-        </p:txBody>
-      </p:sp>
-      <p:sp>
-        <p:nvSpPr>
-          <p:cNvPr id="2" name="Content Placeholder 3">
-            <a:extLst>
-              <a:ext uri="{FF2B5EF4-FFF2-40B4-BE49-F238E27FC236}">
-                <a16:creationId xmlns:a16="http://schemas.microsoft.com/office/drawing/2014/main" id="{2FA329B3-8D62-A766-05D3-DB730388C61A}"/>
-              </a:ext>
-            </a:extLst>
-          </p:cNvPr>
-          <p:cNvSpPr txBox="1">
-            <a:spLocks/>
-          </p:cNvSpPr>
-          <p:nvPr/>
-        </p:nvSpPr>
-        <p:spPr>
-          <a:xfrm>
-            <a:off x="458146" y="1257413"/>
-            <a:ext cx="8099258" cy="3492868"/>
-          </a:xfrm>
-          <a:prstGeom prst="rect">
-            <a:avLst/>
-          </a:prstGeom>
-        </p:spPr>
-        <p:txBody>
-          <a:bodyPr vert="horz" lIns="91440" tIns="45720" rIns="91440" bIns="45720" rtlCol="0">
-            <a:normAutofit/>
-          </a:bodyPr>
-          <a:lstStyle>
-            <a:lvl1pPr marL="228600" indent="-228600" algn="l" defTabSz="914400" rtl="0" eaLnBrk="1" latinLnBrk="0" hangingPunct="1">
-              <a:lnSpc>
-                <a:spcPct val="90000"/>
-              </a:lnSpc>
-              <a:spcBef>
-                <a:spcPts val="1000"/>
-              </a:spcBef>
-              <a:buFont typeface="Arial" panose="020B0604020202020204" pitchFamily="34" charset="0"/>
-              <a:buChar char="•"/>
-              <a:defRPr sz="2800" kern="1200">
-                <a:solidFill>
-                  <a:schemeClr val="tx1"/>
-                </a:solidFill>
-                <a:latin typeface="+mn-lt"/>
-                <a:ea typeface="+mn-ea"/>
-                <a:cs typeface="+mn-cs"/>
-              </a:defRPr>
-            </a:lvl1pPr>
-            <a:lvl2pPr marL="685800" indent="-228600" algn="l" defTabSz="914400" rtl="0" eaLnBrk="1" latinLnBrk="0" hangingPunct="1">
-              <a:lnSpc>
-                <a:spcPct val="90000"/>
-              </a:lnSpc>
-              <a:spcBef>
-                <a:spcPts val="500"/>
-              </a:spcBef>
-              <a:buFont typeface="Arial" panose="020B0604020202020204" pitchFamily="34" charset="0"/>
-              <a:buChar char="•"/>
-              <a:defRPr sz="2400" kern="1200">
-                <a:solidFill>
-                  <a:schemeClr val="tx1"/>
-                </a:solidFill>
-                <a:latin typeface="+mn-lt"/>
-                <a:ea typeface="+mn-ea"/>
-                <a:cs typeface="+mn-cs"/>
-              </a:defRPr>
-            </a:lvl2pPr>
-            <a:lvl3pPr marL="1143000" indent="-228600" algn="l" defTabSz="914400" rtl="0" eaLnBrk="1" latinLnBrk="0" hangingPunct="1">
-              <a:lnSpc>
-                <a:spcPct val="90000"/>
-              </a:lnSpc>
-              <a:spcBef>
-                <a:spcPts val="500"/>
-              </a:spcBef>
-              <a:buFont typeface="Arial" panose="020B0604020202020204" pitchFamily="34" charset="0"/>
-              <a:buChar char="•"/>
-              <a:defRPr sz="2000" kern="1200">
-                <a:solidFill>
-                  <a:schemeClr val="tx1"/>
-                </a:solidFill>
-                <a:latin typeface="+mn-lt"/>
-                <a:ea typeface="+mn-ea"/>
-                <a:cs typeface="+mn-cs"/>
-              </a:defRPr>
-            </a:lvl3pPr>
-            <a:lvl4pPr marL="1600200" indent="-228600" algn="l" defTabSz="914400" rtl="0" eaLnBrk="1" latinLnBrk="0" hangingPunct="1">
-              <a:lnSpc>
-                <a:spcPct val="90000"/>
-              </a:lnSpc>
-              <a:spcBef>
-                <a:spcPts val="500"/>
-              </a:spcBef>
-              <a:buFont typeface="Arial" panose="020B0604020202020204" pitchFamily="34" charset="0"/>
-              <a:buChar char="•"/>
-              <a:defRPr sz="1800" kern="1200">
-                <a:solidFill>
-                  <a:schemeClr val="tx1"/>
-                </a:solidFill>
-                <a:latin typeface="+mn-lt"/>
-                <a:ea typeface="+mn-ea"/>
-                <a:cs typeface="+mn-cs"/>
-              </a:defRPr>
-            </a:lvl4pPr>
-            <a:lvl5pPr marL="2057400" indent="-228600" algn="l" defTabSz="914400" rtl="0" eaLnBrk="1" latinLnBrk="0" hangingPunct="1">
-              <a:lnSpc>
-                <a:spcPct val="90000"/>
-              </a:lnSpc>
-              <a:spcBef>
-                <a:spcPts val="500"/>
-              </a:spcBef>
-              <a:buFont typeface="Arial" panose="020B0604020202020204" pitchFamily="34" charset="0"/>
-              <a:buChar char="•"/>
-              <a:defRPr sz="1800" kern="1200">
-                <a:solidFill>
-                  <a:schemeClr val="tx1"/>
-                </a:solidFill>
-                <a:latin typeface="+mn-lt"/>
-                <a:ea typeface="+mn-ea"/>
-                <a:cs typeface="+mn-cs"/>
-              </a:defRPr>
-            </a:lvl5pPr>
-            <a:lvl6pPr marL="2514600" indent="-228600" algn="l" defTabSz="914400" rtl="0" eaLnBrk="1" latinLnBrk="0" hangingPunct="1">
-              <a:lnSpc>
-                <a:spcPct val="90000"/>
-              </a:lnSpc>
-              <a:spcBef>
-                <a:spcPts val="500"/>
-              </a:spcBef>
-              <a:buFont typeface="Arial" panose="020B0604020202020204" pitchFamily="34" charset="0"/>
-              <a:buChar char="•"/>
-              <a:defRPr sz="1800" kern="1200">
-                <a:solidFill>
-                  <a:schemeClr val="tx1"/>
-                </a:solidFill>
-                <a:latin typeface="+mn-lt"/>
-                <a:ea typeface="+mn-ea"/>
-                <a:cs typeface="+mn-cs"/>
-              </a:defRPr>
-            </a:lvl6pPr>
-            <a:lvl7pPr marL="2971800" indent="-228600" algn="l" defTabSz="914400" rtl="0" eaLnBrk="1" latinLnBrk="0" hangingPunct="1">
-              <a:lnSpc>
-                <a:spcPct val="90000"/>
-              </a:lnSpc>
-              <a:spcBef>
-                <a:spcPts val="500"/>
-              </a:spcBef>
-              <a:buFont typeface="Arial" panose="020B0604020202020204" pitchFamily="34" charset="0"/>
-              <a:buChar char="•"/>
-              <a:defRPr sz="1800" kern="1200">
-                <a:solidFill>
-                  <a:schemeClr val="tx1"/>
-                </a:solidFill>
-                <a:latin typeface="+mn-lt"/>
-                <a:ea typeface="+mn-ea"/>
-                <a:cs typeface="+mn-cs"/>
-              </a:defRPr>
-            </a:lvl7pPr>
-            <a:lvl8pPr marL="3429000" indent="-228600" algn="l" defTabSz="914400" rtl="0" eaLnBrk="1" latinLnBrk="0" hangingPunct="1">
-              <a:lnSpc>
-                <a:spcPct val="90000"/>
-              </a:lnSpc>
-              <a:spcBef>
-                <a:spcPts val="500"/>
-              </a:spcBef>
-              <a:buFont typeface="Arial" panose="020B0604020202020204" pitchFamily="34" charset="0"/>
-              <a:buChar char="•"/>
-              <a:defRPr sz="1800" kern="1200">
-                <a:solidFill>
-                  <a:schemeClr val="tx1"/>
-                </a:solidFill>
-                <a:latin typeface="+mn-lt"/>
-                <a:ea typeface="+mn-ea"/>
-                <a:cs typeface="+mn-cs"/>
-              </a:defRPr>
-            </a:lvl8pPr>
-            <a:lvl9pPr marL="3886200" indent="-228600" algn="l" defTabSz="914400" rtl="0" eaLnBrk="1" latinLnBrk="0" hangingPunct="1">
-              <a:lnSpc>
-                <a:spcPct val="90000"/>
-              </a:lnSpc>
-              <a:spcBef>
-                <a:spcPts val="500"/>
-              </a:spcBef>
-              <a:buFont typeface="Arial" panose="020B0604020202020204" pitchFamily="34" charset="0"/>
-              <a:buChar char="•"/>
-              <a:defRPr sz="1800" kern="1200">
-                <a:solidFill>
-                  <a:schemeClr val="tx1"/>
-                </a:solidFill>
-                <a:latin typeface="+mn-lt"/>
-                <a:ea typeface="+mn-ea"/>
-                <a:cs typeface="+mn-cs"/>
-              </a:defRPr>
-            </a:lvl9pPr>
-          </a:lstStyle>
-          <a:p>
-            <a:r>
-              <a:rPr lang="en-US" sz="1800" dirty="0">
-                <a:solidFill>
-                  <a:schemeClr val="accent1">
-                    <a:lumMod val="75000"/>
-                  </a:schemeClr>
-                </a:solidFill>
-                <a:latin typeface="Segoe UI Semibold" panose="020B0702040204020203" pitchFamily="34" charset="0"/>
-                <a:cs typeface="Segoe UI Semibold" panose="020B0702040204020203" pitchFamily="34" charset="0"/>
-              </a:rPr>
-              <a:t>Building blocks for you AI solution</a:t>
-            </a:r>
-          </a:p>
-          <a:p>
-            <a:r>
-              <a:rPr lang="en-US" sz="1800" dirty="0">
-                <a:solidFill>
-                  <a:schemeClr val="accent1">
-                    <a:lumMod val="75000"/>
-                  </a:schemeClr>
-                </a:solidFill>
-                <a:latin typeface="Segoe UI Semibold" panose="020B0702040204020203" pitchFamily="34" charset="0"/>
-                <a:cs typeface="Segoe UI Semibold" panose="020B0702040204020203" pitchFamily="34" charset="0"/>
-              </a:rPr>
-              <a:t>Define the tasks the Kernel should complete</a:t>
-            </a:r>
-          </a:p>
-          <a:p>
-            <a:r>
-              <a:rPr lang="en-US" sz="1800" dirty="0">
-                <a:solidFill>
-                  <a:schemeClr val="accent1">
-                    <a:lumMod val="75000"/>
-                  </a:schemeClr>
-                </a:solidFill>
-                <a:latin typeface="Segoe UI Semibold" panose="020B0702040204020203" pitchFamily="34" charset="0"/>
-                <a:cs typeface="Segoe UI Semibold" panose="020B0702040204020203" pitchFamily="34" charset="0"/>
-              </a:rPr>
-              <a:t>Can include native code and prompts</a:t>
-            </a:r>
-          </a:p>
-          <a:p>
-            <a:r>
-              <a:rPr lang="en-US" sz="1800" dirty="0">
-                <a:solidFill>
-                  <a:schemeClr val="accent1">
-                    <a:lumMod val="75000"/>
-                  </a:schemeClr>
-                </a:solidFill>
-                <a:latin typeface="Segoe UI Semibold" panose="020B0702040204020203" pitchFamily="34" charset="0"/>
-                <a:cs typeface="Segoe UI Semibold" panose="020B0702040204020203" pitchFamily="34" charset="0"/>
-              </a:rPr>
-              <a:t>Serving as one of the core features and body of your AI solution</a:t>
-            </a:r>
-          </a:p>
-          <a:p>
-            <a:r>
-              <a:rPr lang="en-US" sz="1800" dirty="0">
-                <a:solidFill>
-                  <a:schemeClr val="accent1">
-                    <a:lumMod val="75000"/>
-                  </a:schemeClr>
-                </a:solidFill>
-                <a:latin typeface="Segoe UI Semibold" panose="020B0702040204020203" pitchFamily="34" charset="0"/>
-                <a:cs typeface="Segoe UI Semibold" panose="020B0702040204020203" pitchFamily="34" charset="0"/>
-              </a:rPr>
-              <a:t>Can use built-in or create your own</a:t>
-            </a:r>
-          </a:p>
-          <a:p>
-            <a:r>
-              <a:rPr lang="en-US" sz="1800" dirty="0">
-                <a:solidFill>
-                  <a:schemeClr val="accent1">
-                    <a:lumMod val="75000"/>
-                  </a:schemeClr>
-                </a:solidFill>
-                <a:latin typeface="Segoe UI Semibold" panose="020B0702040204020203" pitchFamily="34" charset="0"/>
-                <a:cs typeface="Segoe UI Semibold" panose="020B0702040204020203" pitchFamily="34" charset="0"/>
-              </a:rPr>
-              <a:t>Can pass arguments to prompt</a:t>
-            </a:r>
-          </a:p>
-          <a:p>
-            <a:r>
-              <a:rPr lang="en-US" sz="1800" dirty="0">
-                <a:solidFill>
-                  <a:schemeClr val="accent1">
-                    <a:lumMod val="75000"/>
-                  </a:schemeClr>
-                </a:solidFill>
-                <a:latin typeface="Segoe UI Semibold" panose="020B0702040204020203" pitchFamily="34" charset="0"/>
-                <a:cs typeface="Segoe UI Semibold" panose="020B0702040204020203" pitchFamily="34" charset="0"/>
-              </a:rPr>
-              <a:t>Can load Prompts into Plugin collection for Auto Invoke</a:t>
-            </a:r>
-          </a:p>
-        </p:txBody>
-      </p:sp>
-    </p:spTree>
-    <p:extLst>
-      <p:ext uri="{BB962C8B-B14F-4D97-AF65-F5344CB8AC3E}">
-        <p14:creationId xmlns:p14="http://schemas.microsoft.com/office/powerpoint/2010/main" val="1072313961"/>
-      </p:ext>
-    </p:extLst>
-  </p:cSld>
-  <p:clrMapOvr>
-    <a:masterClrMapping/>
-  </p:clrMapOvr>
-</p:sld>
-</file>
-
-<file path=ppt/slides/slide5.xml><?xml version="1.0" encoding="utf-8"?>
-<p:sld xmlns:a="http://schemas.openxmlformats.org/drawingml/2006/main" xmlns:r="http://schemas.openxmlformats.org/officeDocument/2006/relationships" xmlns:p="http://schemas.openxmlformats.org/presentationml/2006/main">
-  <p:cSld>
-    <p:spTree>
-      <p:nvGrpSpPr>
-        <p:cNvPr id="1" name=""/>
-        <p:cNvGrpSpPr/>
-        <p:nvPr/>
-      </p:nvGrpSpPr>
-      <p:grpSpPr>
-        <a:xfrm>
-          <a:off x="0" y="0"/>
-          <a:ext cx="0" cy="0"/>
-          <a:chOff x="0" y="0"/>
-          <a:chExt cx="0" cy="0"/>
-        </a:xfrm>
-      </p:grpSpPr>
-      <p:sp>
-        <p:nvSpPr>
-          <p:cNvPr id="6" name="Title 1">
-            <a:extLst>
-              <a:ext uri="{FF2B5EF4-FFF2-40B4-BE49-F238E27FC236}">
-                <a16:creationId xmlns:a16="http://schemas.microsoft.com/office/drawing/2014/main" id="{A75399FA-940B-A959-7708-716F45433616}"/>
-              </a:ext>
-            </a:extLst>
-          </p:cNvPr>
-          <p:cNvSpPr>
-            <a:spLocks noGrp="1"/>
-          </p:cNvSpPr>
-          <p:nvPr>
-            <p:ph type="title"/>
-          </p:nvPr>
-        </p:nvSpPr>
-        <p:spPr>
-          <a:xfrm>
-            <a:off x="411480" y="-73698"/>
-            <a:ext cx="5783580" cy="1087819"/>
-          </a:xfrm>
-        </p:spPr>
-        <p:txBody>
-          <a:bodyPr vert="horz" lIns="91440" tIns="45720" rIns="91440" bIns="45720" rtlCol="0" anchor="b">
-            <a:noAutofit/>
-          </a:bodyPr>
-          <a:lstStyle/>
-          <a:p>
-            <a:r>
-              <a:rPr lang="en-US" sz="4313" spc="-49" dirty="0">
-                <a:ln w="3175">
-                  <a:noFill/>
-                </a:ln>
-                <a:solidFill>
-                  <a:schemeClr val="accent1">
-                    <a:lumMod val="75000"/>
-                  </a:schemeClr>
-                </a:solidFill>
-                <a:latin typeface="Segoe UI Semibold"/>
-                <a:ea typeface="+mn-ea"/>
-                <a:cs typeface="Segoe UI" pitchFamily="34" charset="0"/>
-              </a:rPr>
-              <a:t>SK: Prompts</a:t>
+              <a:t>Chat Completion</a:t>
             </a:r>
           </a:p>
         </p:txBody>
@@ -11650,7 +10944,1120 @@
 </p:sld>
 </file>
 
+<file path=ppt/slides/slide5.xml><?xml version="1.0" encoding="utf-8"?>
+<p:sld xmlns:a="http://schemas.openxmlformats.org/drawingml/2006/main" xmlns:r="http://schemas.openxmlformats.org/officeDocument/2006/relationships" xmlns:p="http://schemas.openxmlformats.org/presentationml/2006/main">
+  <p:cSld>
+    <p:spTree>
+      <p:nvGrpSpPr>
+        <p:cNvPr id="1" name=""/>
+        <p:cNvGrpSpPr/>
+        <p:nvPr/>
+      </p:nvGrpSpPr>
+      <p:grpSpPr>
+        <a:xfrm>
+          <a:off x="0" y="0"/>
+          <a:ext cx="0" cy="0"/>
+          <a:chOff x="0" y="0"/>
+          <a:chExt cx="0" cy="0"/>
+        </a:xfrm>
+      </p:grpSpPr>
+      <p:pic>
+        <p:nvPicPr>
+          <p:cNvPr id="5" name="Picture 4">
+            <a:extLst>
+              <a:ext uri="{FF2B5EF4-FFF2-40B4-BE49-F238E27FC236}">
+                <a16:creationId xmlns:a16="http://schemas.microsoft.com/office/drawing/2014/main" id="{873B3460-9D12-4A03-68BB-94E33D78E003}"/>
+              </a:ext>
+            </a:extLst>
+          </p:cNvPr>
+          <p:cNvPicPr>
+            <a:picLocks noChangeAspect="1"/>
+          </p:cNvPicPr>
+          <p:nvPr/>
+        </p:nvPicPr>
+        <p:blipFill>
+          <a:blip r:embed="rId2"/>
+          <a:stretch>
+            <a:fillRect/>
+          </a:stretch>
+        </p:blipFill>
+        <p:spPr>
+          <a:xfrm>
+            <a:off x="3047736" y="1714351"/>
+            <a:ext cx="6096528" cy="3429297"/>
+          </a:xfrm>
+          <a:prstGeom prst="rect">
+            <a:avLst/>
+          </a:prstGeom>
+        </p:spPr>
+      </p:pic>
+    </p:spTree>
+    <p:extLst>
+      <p:ext uri="{BB962C8B-B14F-4D97-AF65-F5344CB8AC3E}">
+        <p14:creationId xmlns:p14="http://schemas.microsoft.com/office/powerpoint/2010/main" val="3701761953"/>
+      </p:ext>
+    </p:extLst>
+  </p:cSld>
+  <p:clrMapOvr>
+    <a:masterClrMapping/>
+  </p:clrMapOvr>
+</p:sld>
+</file>
+
 <file path=ppt/slides/slide6.xml><?xml version="1.0" encoding="utf-8"?>
+<p:sld xmlns:a="http://schemas.openxmlformats.org/drawingml/2006/main" xmlns:r="http://schemas.openxmlformats.org/officeDocument/2006/relationships" xmlns:p="http://schemas.openxmlformats.org/presentationml/2006/main">
+  <p:cSld>
+    <p:spTree>
+      <p:nvGrpSpPr>
+        <p:cNvPr id="1" name=""/>
+        <p:cNvGrpSpPr/>
+        <p:nvPr/>
+      </p:nvGrpSpPr>
+      <p:grpSpPr>
+        <a:xfrm>
+          <a:off x="0" y="0"/>
+          <a:ext cx="0" cy="0"/>
+          <a:chOff x="0" y="0"/>
+          <a:chExt cx="0" cy="0"/>
+        </a:xfrm>
+      </p:grpSpPr>
+      <p:sp>
+        <p:nvSpPr>
+          <p:cNvPr id="6" name="Title 1">
+            <a:extLst>
+              <a:ext uri="{FF2B5EF4-FFF2-40B4-BE49-F238E27FC236}">
+                <a16:creationId xmlns:a16="http://schemas.microsoft.com/office/drawing/2014/main" id="{A75399FA-940B-A959-7708-716F45433616}"/>
+              </a:ext>
+            </a:extLst>
+          </p:cNvPr>
+          <p:cNvSpPr>
+            <a:spLocks noGrp="1"/>
+          </p:cNvSpPr>
+          <p:nvPr>
+            <p:ph type="title"/>
+          </p:nvPr>
+        </p:nvSpPr>
+        <p:spPr>
+          <a:xfrm>
+            <a:off x="411480" y="-73698"/>
+            <a:ext cx="5783580" cy="1087819"/>
+          </a:xfrm>
+        </p:spPr>
+        <p:txBody>
+          <a:bodyPr vert="horz" lIns="91440" tIns="45720" rIns="91440" bIns="45720" rtlCol="0" anchor="b">
+            <a:noAutofit/>
+          </a:bodyPr>
+          <a:lstStyle/>
+          <a:p>
+            <a:r>
+              <a:rPr lang="en-US" sz="4313" spc="-49" dirty="0">
+                <a:ln w="3175">
+                  <a:noFill/>
+                </a:ln>
+                <a:solidFill>
+                  <a:schemeClr val="accent1">
+                    <a:lumMod val="75000"/>
+                  </a:schemeClr>
+                </a:solidFill>
+                <a:latin typeface="Segoe UI Semibold"/>
+                <a:ea typeface="+mn-ea"/>
+                <a:cs typeface="Segoe UI" pitchFamily="34" charset="0"/>
+              </a:rPr>
+              <a:t>SK: Plugins</a:t>
+            </a:r>
+          </a:p>
+        </p:txBody>
+      </p:sp>
+      <p:sp>
+        <p:nvSpPr>
+          <p:cNvPr id="11" name="Rectangle 10">
+            <a:extLst>
+              <a:ext uri="{FF2B5EF4-FFF2-40B4-BE49-F238E27FC236}">
+                <a16:creationId xmlns:a16="http://schemas.microsoft.com/office/drawing/2014/main" id="{F178DF49-D276-1EA2-FC0D-417590297948}"/>
+              </a:ext>
+            </a:extLst>
+          </p:cNvPr>
+          <p:cNvSpPr/>
+          <p:nvPr/>
+        </p:nvSpPr>
+        <p:spPr>
+          <a:xfrm>
+            <a:off x="541020" y="1014121"/>
+            <a:ext cx="4443154" cy="45719"/>
+          </a:xfrm>
+          <a:prstGeom prst="rect">
+            <a:avLst/>
+          </a:prstGeom>
+          <a:solidFill>
+            <a:schemeClr val="accent1">
+              <a:lumMod val="75000"/>
+            </a:schemeClr>
+          </a:solidFill>
+          <a:ln>
+            <a:solidFill>
+              <a:schemeClr val="accent1">
+                <a:lumMod val="75000"/>
+              </a:schemeClr>
+            </a:solidFill>
+          </a:ln>
+        </p:spPr>
+        <p:style>
+          <a:lnRef idx="2">
+            <a:schemeClr val="accent1">
+              <a:shade val="15000"/>
+            </a:schemeClr>
+          </a:lnRef>
+          <a:fillRef idx="1">
+            <a:schemeClr val="accent1"/>
+          </a:fillRef>
+          <a:effectRef idx="0">
+            <a:schemeClr val="accent1"/>
+          </a:effectRef>
+          <a:fontRef idx="minor">
+            <a:schemeClr val="lt1"/>
+          </a:fontRef>
+        </p:style>
+        <p:txBody>
+          <a:bodyPr rtlCol="0" anchor="ctr"/>
+          <a:lstStyle/>
+          <a:p>
+            <a:pPr algn="ctr"/>
+            <a:endParaRPr lang="en-US">
+              <a:solidFill>
+                <a:schemeClr val="accent1">
+                  <a:lumMod val="75000"/>
+                </a:schemeClr>
+              </a:solidFill>
+            </a:endParaRPr>
+          </a:p>
+        </p:txBody>
+      </p:sp>
+      <p:sp>
+        <p:nvSpPr>
+          <p:cNvPr id="12" name="Rectangle 11">
+            <a:extLst>
+              <a:ext uri="{FF2B5EF4-FFF2-40B4-BE49-F238E27FC236}">
+                <a16:creationId xmlns:a16="http://schemas.microsoft.com/office/drawing/2014/main" id="{6F9E7438-E527-D15A-C658-15EA4B04758D}"/>
+              </a:ext>
+            </a:extLst>
+          </p:cNvPr>
+          <p:cNvSpPr/>
+          <p:nvPr/>
+        </p:nvSpPr>
+        <p:spPr>
+          <a:xfrm>
+            <a:off x="541020" y="169594"/>
+            <a:ext cx="948690" cy="125729"/>
+          </a:xfrm>
+          <a:prstGeom prst="rect">
+            <a:avLst/>
+          </a:prstGeom>
+          <a:solidFill>
+            <a:schemeClr val="accent1">
+              <a:lumMod val="20000"/>
+              <a:lumOff val="80000"/>
+            </a:schemeClr>
+          </a:solidFill>
+          <a:ln>
+            <a:solidFill>
+              <a:schemeClr val="accent1">
+                <a:lumMod val="20000"/>
+                <a:lumOff val="80000"/>
+              </a:schemeClr>
+            </a:solidFill>
+          </a:ln>
+        </p:spPr>
+        <p:style>
+          <a:lnRef idx="2">
+            <a:schemeClr val="accent1">
+              <a:shade val="15000"/>
+            </a:schemeClr>
+          </a:lnRef>
+          <a:fillRef idx="1">
+            <a:schemeClr val="accent1"/>
+          </a:fillRef>
+          <a:effectRef idx="0">
+            <a:schemeClr val="accent1"/>
+          </a:effectRef>
+          <a:fontRef idx="minor">
+            <a:schemeClr val="lt1"/>
+          </a:fontRef>
+        </p:style>
+        <p:txBody>
+          <a:bodyPr rtlCol="0" anchor="ctr"/>
+          <a:lstStyle/>
+          <a:p>
+            <a:pPr algn="ctr"/>
+            <a:endParaRPr lang="en-US">
+              <a:ln>
+                <a:solidFill>
+                  <a:schemeClr val="accent1">
+                    <a:lumMod val="40000"/>
+                    <a:lumOff val="60000"/>
+                  </a:schemeClr>
+                </a:solidFill>
+              </a:ln>
+            </a:endParaRPr>
+          </a:p>
+        </p:txBody>
+      </p:sp>
+      <p:sp>
+        <p:nvSpPr>
+          <p:cNvPr id="2" name="Content Placeholder 3">
+            <a:extLst>
+              <a:ext uri="{FF2B5EF4-FFF2-40B4-BE49-F238E27FC236}">
+                <a16:creationId xmlns:a16="http://schemas.microsoft.com/office/drawing/2014/main" id="{2FA329B3-8D62-A766-05D3-DB730388C61A}"/>
+              </a:ext>
+            </a:extLst>
+          </p:cNvPr>
+          <p:cNvSpPr txBox="1">
+            <a:spLocks/>
+          </p:cNvSpPr>
+          <p:nvPr/>
+        </p:nvSpPr>
+        <p:spPr>
+          <a:xfrm>
+            <a:off x="458146" y="1257413"/>
+            <a:ext cx="8099258" cy="3492868"/>
+          </a:xfrm>
+          <a:prstGeom prst="rect">
+            <a:avLst/>
+          </a:prstGeom>
+        </p:spPr>
+        <p:txBody>
+          <a:bodyPr vert="horz" lIns="91440" tIns="45720" rIns="91440" bIns="45720" rtlCol="0">
+            <a:normAutofit/>
+          </a:bodyPr>
+          <a:lstStyle>
+            <a:lvl1pPr marL="228600" indent="-228600" algn="l" defTabSz="914400" rtl="0" eaLnBrk="1" latinLnBrk="0" hangingPunct="1">
+              <a:lnSpc>
+                <a:spcPct val="90000"/>
+              </a:lnSpc>
+              <a:spcBef>
+                <a:spcPts val="1000"/>
+              </a:spcBef>
+              <a:buFont typeface="Arial" panose="020B0604020202020204" pitchFamily="34" charset="0"/>
+              <a:buChar char="•"/>
+              <a:defRPr sz="2800" kern="1200">
+                <a:solidFill>
+                  <a:schemeClr val="tx1"/>
+                </a:solidFill>
+                <a:latin typeface="+mn-lt"/>
+                <a:ea typeface="+mn-ea"/>
+                <a:cs typeface="+mn-cs"/>
+              </a:defRPr>
+            </a:lvl1pPr>
+            <a:lvl2pPr marL="685800" indent="-228600" algn="l" defTabSz="914400" rtl="0" eaLnBrk="1" latinLnBrk="0" hangingPunct="1">
+              <a:lnSpc>
+                <a:spcPct val="90000"/>
+              </a:lnSpc>
+              <a:spcBef>
+                <a:spcPts val="500"/>
+              </a:spcBef>
+              <a:buFont typeface="Arial" panose="020B0604020202020204" pitchFamily="34" charset="0"/>
+              <a:buChar char="•"/>
+              <a:defRPr sz="2400" kern="1200">
+                <a:solidFill>
+                  <a:schemeClr val="tx1"/>
+                </a:solidFill>
+                <a:latin typeface="+mn-lt"/>
+                <a:ea typeface="+mn-ea"/>
+                <a:cs typeface="+mn-cs"/>
+              </a:defRPr>
+            </a:lvl2pPr>
+            <a:lvl3pPr marL="1143000" indent="-228600" algn="l" defTabSz="914400" rtl="0" eaLnBrk="1" latinLnBrk="0" hangingPunct="1">
+              <a:lnSpc>
+                <a:spcPct val="90000"/>
+              </a:lnSpc>
+              <a:spcBef>
+                <a:spcPts val="500"/>
+              </a:spcBef>
+              <a:buFont typeface="Arial" panose="020B0604020202020204" pitchFamily="34" charset="0"/>
+              <a:buChar char="•"/>
+              <a:defRPr sz="2000" kern="1200">
+                <a:solidFill>
+                  <a:schemeClr val="tx1"/>
+                </a:solidFill>
+                <a:latin typeface="+mn-lt"/>
+                <a:ea typeface="+mn-ea"/>
+                <a:cs typeface="+mn-cs"/>
+              </a:defRPr>
+            </a:lvl3pPr>
+            <a:lvl4pPr marL="1600200" indent="-228600" algn="l" defTabSz="914400" rtl="0" eaLnBrk="1" latinLnBrk="0" hangingPunct="1">
+              <a:lnSpc>
+                <a:spcPct val="90000"/>
+              </a:lnSpc>
+              <a:spcBef>
+                <a:spcPts val="500"/>
+              </a:spcBef>
+              <a:buFont typeface="Arial" panose="020B0604020202020204" pitchFamily="34" charset="0"/>
+              <a:buChar char="•"/>
+              <a:defRPr sz="1800" kern="1200">
+                <a:solidFill>
+                  <a:schemeClr val="tx1"/>
+                </a:solidFill>
+                <a:latin typeface="+mn-lt"/>
+                <a:ea typeface="+mn-ea"/>
+                <a:cs typeface="+mn-cs"/>
+              </a:defRPr>
+            </a:lvl4pPr>
+            <a:lvl5pPr marL="2057400" indent="-228600" algn="l" defTabSz="914400" rtl="0" eaLnBrk="1" latinLnBrk="0" hangingPunct="1">
+              <a:lnSpc>
+                <a:spcPct val="90000"/>
+              </a:lnSpc>
+              <a:spcBef>
+                <a:spcPts val="500"/>
+              </a:spcBef>
+              <a:buFont typeface="Arial" panose="020B0604020202020204" pitchFamily="34" charset="0"/>
+              <a:buChar char="•"/>
+              <a:defRPr sz="1800" kern="1200">
+                <a:solidFill>
+                  <a:schemeClr val="tx1"/>
+                </a:solidFill>
+                <a:latin typeface="+mn-lt"/>
+                <a:ea typeface="+mn-ea"/>
+                <a:cs typeface="+mn-cs"/>
+              </a:defRPr>
+            </a:lvl5pPr>
+            <a:lvl6pPr marL="2514600" indent="-228600" algn="l" defTabSz="914400" rtl="0" eaLnBrk="1" latinLnBrk="0" hangingPunct="1">
+              <a:lnSpc>
+                <a:spcPct val="90000"/>
+              </a:lnSpc>
+              <a:spcBef>
+                <a:spcPts val="500"/>
+              </a:spcBef>
+              <a:buFont typeface="Arial" panose="020B0604020202020204" pitchFamily="34" charset="0"/>
+              <a:buChar char="•"/>
+              <a:defRPr sz="1800" kern="1200">
+                <a:solidFill>
+                  <a:schemeClr val="tx1"/>
+                </a:solidFill>
+                <a:latin typeface="+mn-lt"/>
+                <a:ea typeface="+mn-ea"/>
+                <a:cs typeface="+mn-cs"/>
+              </a:defRPr>
+            </a:lvl6pPr>
+            <a:lvl7pPr marL="2971800" indent="-228600" algn="l" defTabSz="914400" rtl="0" eaLnBrk="1" latinLnBrk="0" hangingPunct="1">
+              <a:lnSpc>
+                <a:spcPct val="90000"/>
+              </a:lnSpc>
+              <a:spcBef>
+                <a:spcPts val="500"/>
+              </a:spcBef>
+              <a:buFont typeface="Arial" panose="020B0604020202020204" pitchFamily="34" charset="0"/>
+              <a:buChar char="•"/>
+              <a:defRPr sz="1800" kern="1200">
+                <a:solidFill>
+                  <a:schemeClr val="tx1"/>
+                </a:solidFill>
+                <a:latin typeface="+mn-lt"/>
+                <a:ea typeface="+mn-ea"/>
+                <a:cs typeface="+mn-cs"/>
+              </a:defRPr>
+            </a:lvl7pPr>
+            <a:lvl8pPr marL="3429000" indent="-228600" algn="l" defTabSz="914400" rtl="0" eaLnBrk="1" latinLnBrk="0" hangingPunct="1">
+              <a:lnSpc>
+                <a:spcPct val="90000"/>
+              </a:lnSpc>
+              <a:spcBef>
+                <a:spcPts val="500"/>
+              </a:spcBef>
+              <a:buFont typeface="Arial" panose="020B0604020202020204" pitchFamily="34" charset="0"/>
+              <a:buChar char="•"/>
+              <a:defRPr sz="1800" kern="1200">
+                <a:solidFill>
+                  <a:schemeClr val="tx1"/>
+                </a:solidFill>
+                <a:latin typeface="+mn-lt"/>
+                <a:ea typeface="+mn-ea"/>
+                <a:cs typeface="+mn-cs"/>
+              </a:defRPr>
+            </a:lvl8pPr>
+            <a:lvl9pPr marL="3886200" indent="-228600" algn="l" defTabSz="914400" rtl="0" eaLnBrk="1" latinLnBrk="0" hangingPunct="1">
+              <a:lnSpc>
+                <a:spcPct val="90000"/>
+              </a:lnSpc>
+              <a:spcBef>
+                <a:spcPts val="500"/>
+              </a:spcBef>
+              <a:buFont typeface="Arial" panose="020B0604020202020204" pitchFamily="34" charset="0"/>
+              <a:buChar char="•"/>
+              <a:defRPr sz="1800" kern="1200">
+                <a:solidFill>
+                  <a:schemeClr val="tx1"/>
+                </a:solidFill>
+                <a:latin typeface="+mn-lt"/>
+                <a:ea typeface="+mn-ea"/>
+                <a:cs typeface="+mn-cs"/>
+              </a:defRPr>
+            </a:lvl9pPr>
+          </a:lstStyle>
+          <a:p>
+            <a:r>
+              <a:rPr lang="en-US" sz="1800" dirty="0">
+                <a:solidFill>
+                  <a:schemeClr val="accent1">
+                    <a:lumMod val="75000"/>
+                  </a:schemeClr>
+                </a:solidFill>
+                <a:latin typeface="Segoe UI Semibold" panose="020B0702040204020203" pitchFamily="34" charset="0"/>
+                <a:cs typeface="Segoe UI Semibold" panose="020B0702040204020203" pitchFamily="34" charset="0"/>
+              </a:rPr>
+              <a:t>Basically, everything is a Plugin!</a:t>
+            </a:r>
+          </a:p>
+          <a:p>
+            <a:r>
+              <a:rPr lang="en-US" sz="1800" dirty="0">
+                <a:solidFill>
+                  <a:schemeClr val="accent1">
+                    <a:lumMod val="75000"/>
+                  </a:schemeClr>
+                </a:solidFill>
+                <a:latin typeface="Segoe UI Semibold" panose="020B0702040204020203" pitchFamily="34" charset="0"/>
+                <a:cs typeface="Segoe UI Semibold" panose="020B0702040204020203" pitchFamily="34" charset="0"/>
+              </a:rPr>
+              <a:t>Building blocks for you AI solution</a:t>
+            </a:r>
+          </a:p>
+          <a:p>
+            <a:r>
+              <a:rPr lang="en-US" sz="1800" dirty="0">
+                <a:solidFill>
+                  <a:schemeClr val="accent1">
+                    <a:lumMod val="75000"/>
+                  </a:schemeClr>
+                </a:solidFill>
+                <a:latin typeface="Segoe UI Semibold" panose="020B0702040204020203" pitchFamily="34" charset="0"/>
+                <a:cs typeface="Segoe UI Semibold" panose="020B0702040204020203" pitchFamily="34" charset="0"/>
+              </a:rPr>
+              <a:t>Define the tasks the Kernel should complete</a:t>
+            </a:r>
+          </a:p>
+          <a:p>
+            <a:r>
+              <a:rPr lang="en-US" sz="1800" dirty="0">
+                <a:solidFill>
+                  <a:schemeClr val="accent1">
+                    <a:lumMod val="75000"/>
+                  </a:schemeClr>
+                </a:solidFill>
+                <a:latin typeface="Segoe UI Semibold" panose="020B0702040204020203" pitchFamily="34" charset="0"/>
+                <a:cs typeface="Segoe UI Semibold" panose="020B0702040204020203" pitchFamily="34" charset="0"/>
+              </a:rPr>
+              <a:t>Can include native code and prompts</a:t>
+            </a:r>
+          </a:p>
+          <a:p>
+            <a:r>
+              <a:rPr lang="en-US" sz="1800" dirty="0">
+                <a:solidFill>
+                  <a:schemeClr val="accent1">
+                    <a:lumMod val="75000"/>
+                  </a:schemeClr>
+                </a:solidFill>
+                <a:latin typeface="Segoe UI Semibold" panose="020B0702040204020203" pitchFamily="34" charset="0"/>
+                <a:cs typeface="Segoe UI Semibold" panose="020B0702040204020203" pitchFamily="34" charset="0"/>
+              </a:rPr>
+              <a:t>Serves as one of the core features and body of your AI solution</a:t>
+            </a:r>
+          </a:p>
+          <a:p>
+            <a:r>
+              <a:rPr lang="en-US" sz="1800" dirty="0">
+                <a:solidFill>
+                  <a:schemeClr val="accent1">
+                    <a:lumMod val="75000"/>
+                  </a:schemeClr>
+                </a:solidFill>
+                <a:latin typeface="Segoe UI Semibold" panose="020B0702040204020203" pitchFamily="34" charset="0"/>
+                <a:cs typeface="Segoe UI Semibold" panose="020B0702040204020203" pitchFamily="34" charset="0"/>
+              </a:rPr>
+              <a:t>Can use built-in or create your own</a:t>
+            </a:r>
+          </a:p>
+          <a:p>
+            <a:r>
+              <a:rPr lang="en-US" sz="1800" dirty="0">
+                <a:solidFill>
+                  <a:schemeClr val="accent1">
+                    <a:lumMod val="75000"/>
+                  </a:schemeClr>
+                </a:solidFill>
+                <a:latin typeface="Segoe UI Semibold" panose="020B0702040204020203" pitchFamily="34" charset="0"/>
+                <a:cs typeface="Segoe UI Semibold" panose="020B0702040204020203" pitchFamily="34" charset="0"/>
+              </a:rPr>
+              <a:t>Can pass arguments</a:t>
+            </a:r>
+          </a:p>
+          <a:p>
+            <a:r>
+              <a:rPr lang="en-US" sz="1800" dirty="0">
+                <a:solidFill>
+                  <a:schemeClr val="accent1">
+                    <a:lumMod val="75000"/>
+                  </a:schemeClr>
+                </a:solidFill>
+                <a:latin typeface="Segoe UI Semibold" panose="020B0702040204020203" pitchFamily="34" charset="0"/>
+                <a:cs typeface="Segoe UI Semibold" panose="020B0702040204020203" pitchFamily="34" charset="0"/>
+              </a:rPr>
+              <a:t>Can load Prompts into Plugin collection for Auto Invoke</a:t>
+            </a:r>
+          </a:p>
+        </p:txBody>
+      </p:sp>
+      <p:pic>
+        <p:nvPicPr>
+          <p:cNvPr id="3" name="Picture 2">
+            <a:extLst>
+              <a:ext uri="{FF2B5EF4-FFF2-40B4-BE49-F238E27FC236}">
+                <a16:creationId xmlns:a16="http://schemas.microsoft.com/office/drawing/2014/main" id="{FA154C55-9584-91F9-E596-65FB9DBDA17F}"/>
+              </a:ext>
+            </a:extLst>
+          </p:cNvPr>
+          <p:cNvPicPr>
+            <a:picLocks noChangeAspect="1"/>
+          </p:cNvPicPr>
+          <p:nvPr/>
+        </p:nvPicPr>
+        <p:blipFill>
+          <a:blip r:embed="rId3"/>
+          <a:stretch>
+            <a:fillRect/>
+          </a:stretch>
+        </p:blipFill>
+        <p:spPr>
+          <a:xfrm>
+            <a:off x="1624118" y="2471860"/>
+            <a:ext cx="5996335" cy="2781443"/>
+          </a:xfrm>
+          <a:prstGeom prst="rect">
+            <a:avLst/>
+          </a:prstGeom>
+        </p:spPr>
+      </p:pic>
+      <p:cxnSp>
+        <p:nvCxnSpPr>
+          <p:cNvPr id="4" name="Straight Arrow Connector 3">
+            <a:extLst>
+              <a:ext uri="{FF2B5EF4-FFF2-40B4-BE49-F238E27FC236}">
+                <a16:creationId xmlns:a16="http://schemas.microsoft.com/office/drawing/2014/main" id="{665FC75A-98D0-2D74-D0FD-1B510BE1469A}"/>
+              </a:ext>
+            </a:extLst>
+          </p:cNvPr>
+          <p:cNvCxnSpPr>
+            <a:cxnSpLocks/>
+          </p:cNvCxnSpPr>
+          <p:nvPr/>
+        </p:nvCxnSpPr>
+        <p:spPr>
+          <a:xfrm>
+            <a:off x="7883" y="3317427"/>
+            <a:ext cx="1825649" cy="0"/>
+          </a:xfrm>
+          <a:prstGeom prst="straightConnector1">
+            <a:avLst/>
+          </a:prstGeom>
+          <a:ln>
+            <a:solidFill>
+              <a:srgbClr val="00B050"/>
+            </a:solidFill>
+            <a:tailEnd type="triangle"/>
+          </a:ln>
+        </p:spPr>
+        <p:style>
+          <a:lnRef idx="2">
+            <a:schemeClr val="accent1"/>
+          </a:lnRef>
+          <a:fillRef idx="0">
+            <a:schemeClr val="accent1"/>
+          </a:fillRef>
+          <a:effectRef idx="1">
+            <a:schemeClr val="accent1"/>
+          </a:effectRef>
+          <a:fontRef idx="minor">
+            <a:schemeClr val="tx1"/>
+          </a:fontRef>
+        </p:style>
+      </p:cxnSp>
+      <p:cxnSp>
+        <p:nvCxnSpPr>
+          <p:cNvPr id="5" name="Straight Arrow Connector 4">
+            <a:extLst>
+              <a:ext uri="{FF2B5EF4-FFF2-40B4-BE49-F238E27FC236}">
+                <a16:creationId xmlns:a16="http://schemas.microsoft.com/office/drawing/2014/main" id="{E76083C9-211A-8F3B-03BE-188D545C8E7A}"/>
+              </a:ext>
+            </a:extLst>
+          </p:cNvPr>
+          <p:cNvCxnSpPr>
+            <a:cxnSpLocks/>
+          </p:cNvCxnSpPr>
+          <p:nvPr/>
+        </p:nvCxnSpPr>
+        <p:spPr>
+          <a:xfrm>
+            <a:off x="7883" y="3422530"/>
+            <a:ext cx="1825649" cy="0"/>
+          </a:xfrm>
+          <a:prstGeom prst="straightConnector1">
+            <a:avLst/>
+          </a:prstGeom>
+          <a:ln>
+            <a:solidFill>
+              <a:srgbClr val="00B050"/>
+            </a:solidFill>
+            <a:tailEnd type="triangle"/>
+          </a:ln>
+        </p:spPr>
+        <p:style>
+          <a:lnRef idx="2">
+            <a:schemeClr val="accent1"/>
+          </a:lnRef>
+          <a:fillRef idx="0">
+            <a:schemeClr val="accent1"/>
+          </a:fillRef>
+          <a:effectRef idx="1">
+            <a:schemeClr val="accent1"/>
+          </a:effectRef>
+          <a:fontRef idx="minor">
+            <a:schemeClr val="tx1"/>
+          </a:fontRef>
+        </p:style>
+      </p:cxnSp>
+      <p:sp>
+        <p:nvSpPr>
+          <p:cNvPr id="7" name="TextBox 6">
+            <a:extLst>
+              <a:ext uri="{FF2B5EF4-FFF2-40B4-BE49-F238E27FC236}">
+                <a16:creationId xmlns:a16="http://schemas.microsoft.com/office/drawing/2014/main" id="{B01B9AB1-4351-3911-3D72-24401F39F140}"/>
+              </a:ext>
+            </a:extLst>
+          </p:cNvPr>
+          <p:cNvSpPr txBox="1"/>
+          <p:nvPr/>
+        </p:nvSpPr>
+        <p:spPr>
+          <a:xfrm>
+            <a:off x="1470793" y="36509"/>
+            <a:ext cx="439544" cy="369332"/>
+          </a:xfrm>
+          <a:prstGeom prst="rect">
+            <a:avLst/>
+          </a:prstGeom>
+          <a:noFill/>
+        </p:spPr>
+        <p:txBody>
+          <a:bodyPr wrap="none" rtlCol="0">
+            <a:spAutoFit/>
+          </a:bodyPr>
+          <a:lstStyle/>
+          <a:p>
+            <a:r>
+              <a:rPr lang="en-US" dirty="0">
+                <a:solidFill>
+                  <a:schemeClr val="accent4">
+                    <a:lumMod val="20000"/>
+                    <a:lumOff val="80000"/>
+                  </a:schemeClr>
+                </a:solidFill>
+              </a:rPr>
+              <a:t>::2</a:t>
+            </a:r>
+          </a:p>
+        </p:txBody>
+      </p:sp>
+      <p:pic>
+        <p:nvPicPr>
+          <p:cNvPr id="9" name="Picture 8">
+            <a:extLst>
+              <a:ext uri="{FF2B5EF4-FFF2-40B4-BE49-F238E27FC236}">
+                <a16:creationId xmlns:a16="http://schemas.microsoft.com/office/drawing/2014/main" id="{F43F049B-CA62-52F2-0A95-E8B8E1D22F71}"/>
+              </a:ext>
+            </a:extLst>
+          </p:cNvPr>
+          <p:cNvPicPr>
+            <a:picLocks noChangeAspect="1"/>
+          </p:cNvPicPr>
+          <p:nvPr/>
+        </p:nvPicPr>
+        <p:blipFill>
+          <a:blip r:embed="rId4"/>
+          <a:stretch>
+            <a:fillRect/>
+          </a:stretch>
+        </p:blipFill>
+        <p:spPr>
+          <a:xfrm>
+            <a:off x="8084438" y="2341209"/>
+            <a:ext cx="3733992" cy="3130711"/>
+          </a:xfrm>
+          <a:prstGeom prst="rect">
+            <a:avLst/>
+          </a:prstGeom>
+        </p:spPr>
+      </p:pic>
+      <p:sp>
+        <p:nvSpPr>
+          <p:cNvPr id="10" name="Rectangle 9">
+            <a:extLst>
+              <a:ext uri="{FF2B5EF4-FFF2-40B4-BE49-F238E27FC236}">
+                <a16:creationId xmlns:a16="http://schemas.microsoft.com/office/drawing/2014/main" id="{6659D84B-0764-3D9D-A18D-041304BC446F}"/>
+              </a:ext>
+            </a:extLst>
+          </p:cNvPr>
+          <p:cNvSpPr/>
+          <p:nvPr/>
+        </p:nvSpPr>
+        <p:spPr>
+          <a:xfrm>
+            <a:off x="8190186" y="2672255"/>
+            <a:ext cx="2585545" cy="512379"/>
+          </a:xfrm>
+          <a:prstGeom prst="rect">
+            <a:avLst/>
+          </a:prstGeom>
+          <a:noFill/>
+          <a:ln>
+            <a:solidFill>
+              <a:srgbClr val="00B050"/>
+            </a:solidFill>
+          </a:ln>
+        </p:spPr>
+        <p:style>
+          <a:lnRef idx="2">
+            <a:schemeClr val="accent1">
+              <a:shade val="15000"/>
+            </a:schemeClr>
+          </a:lnRef>
+          <a:fillRef idx="1">
+            <a:schemeClr val="accent1"/>
+          </a:fillRef>
+          <a:effectRef idx="0">
+            <a:schemeClr val="accent1"/>
+          </a:effectRef>
+          <a:fontRef idx="minor">
+            <a:schemeClr val="lt1"/>
+          </a:fontRef>
+        </p:style>
+        <p:txBody>
+          <a:bodyPr rtlCol="0" anchor="ctr"/>
+          <a:lstStyle/>
+          <a:p>
+            <a:pPr algn="ctr"/>
+            <a:endParaRPr lang="en-US"/>
+          </a:p>
+        </p:txBody>
+      </p:sp>
+    </p:spTree>
+    <p:extLst>
+      <p:ext uri="{BB962C8B-B14F-4D97-AF65-F5344CB8AC3E}">
+        <p14:creationId xmlns:p14="http://schemas.microsoft.com/office/powerpoint/2010/main" val="3634594366"/>
+      </p:ext>
+    </p:extLst>
+  </p:cSld>
+  <p:clrMapOvr>
+    <a:masterClrMapping/>
+  </p:clrMapOvr>
+  <p:timing>
+    <p:tnLst>
+      <p:par>
+        <p:cTn id="1" dur="indefinite" restart="never" nodeType="tmRoot">
+          <p:childTnLst>
+            <p:seq concurrent="1" nextAc="seek">
+              <p:cTn id="2" dur="indefinite" nodeType="mainSeq">
+                <p:childTnLst>
+                  <p:par>
+                    <p:cTn id="3" fill="hold">
+                      <p:stCondLst>
+                        <p:cond delay="indefinite"/>
+                      </p:stCondLst>
+                      <p:childTnLst>
+                        <p:par>
+                          <p:cTn id="4" fill="hold">
+                            <p:stCondLst>
+                              <p:cond delay="0"/>
+                            </p:stCondLst>
+                            <p:childTnLst>
+                              <p:par>
+                                <p:cTn id="5" presetID="6" presetClass="entr" presetSubtype="16" fill="hold" grpId="0" nodeType="clickEffect">
+                                  <p:stCondLst>
+                                    <p:cond delay="0"/>
+                                  </p:stCondLst>
+                                  <p:childTnLst>
+                                    <p:set>
+                                      <p:cBhvr>
+                                        <p:cTn id="6" dur="1" fill="hold">
+                                          <p:stCondLst>
+                                            <p:cond delay="0"/>
+                                          </p:stCondLst>
+                                        </p:cTn>
+                                        <p:tgtEl>
+                                          <p:spTgt spid="2"/>
+                                        </p:tgtEl>
+                                        <p:attrNameLst>
+                                          <p:attrName>style.visibility</p:attrName>
+                                        </p:attrNameLst>
+                                      </p:cBhvr>
+                                      <p:to>
+                                        <p:strVal val="visible"/>
+                                      </p:to>
+                                    </p:set>
+                                    <p:animEffect transition="in" filter="circle(in)">
+                                      <p:cBhvr>
+                                        <p:cTn id="7" dur="2000"/>
+                                        <p:tgtEl>
+                                          <p:spTgt spid="2"/>
+                                        </p:tgtEl>
+                                      </p:cBhvr>
+                                    </p:animEffect>
+                                  </p:childTnLst>
+                                  <p:subTnLst>
+                                    <p:set>
+                                      <p:cBhvr override="childStyle">
+                                        <p:cTn dur="1" fill="hold" display="0" masterRel="nextClick" afterEffect="1"/>
+                                        <p:tgtEl>
+                                          <p:spTgt spid="2"/>
+                                        </p:tgtEl>
+                                        <p:attrNameLst>
+                                          <p:attrName>style.visibility</p:attrName>
+                                        </p:attrNameLst>
+                                      </p:cBhvr>
+                                      <p:to>
+                                        <p:strVal val="hidden"/>
+                                      </p:to>
+                                    </p:set>
+                                  </p:subTnLst>
+                                </p:cTn>
+                              </p:par>
+                            </p:childTnLst>
+                          </p:cTn>
+                        </p:par>
+                      </p:childTnLst>
+                    </p:cTn>
+                  </p:par>
+                  <p:par>
+                    <p:cTn id="8" fill="hold">
+                      <p:stCondLst>
+                        <p:cond delay="indefinite"/>
+                      </p:stCondLst>
+                      <p:childTnLst>
+                        <p:par>
+                          <p:cTn id="9" fill="hold">
+                            <p:stCondLst>
+                              <p:cond delay="0"/>
+                            </p:stCondLst>
+                            <p:childTnLst>
+                              <p:par>
+                                <p:cTn id="10" presetID="10" presetClass="entr" presetSubtype="0" fill="hold" nodeType="clickEffect">
+                                  <p:stCondLst>
+                                    <p:cond delay="0"/>
+                                  </p:stCondLst>
+                                  <p:childTnLst>
+                                    <p:set>
+                                      <p:cBhvr>
+                                        <p:cTn id="11" dur="1" fill="hold">
+                                          <p:stCondLst>
+                                            <p:cond delay="0"/>
+                                          </p:stCondLst>
+                                        </p:cTn>
+                                        <p:tgtEl>
+                                          <p:spTgt spid="9"/>
+                                        </p:tgtEl>
+                                        <p:attrNameLst>
+                                          <p:attrName>style.visibility</p:attrName>
+                                        </p:attrNameLst>
+                                      </p:cBhvr>
+                                      <p:to>
+                                        <p:strVal val="visible"/>
+                                      </p:to>
+                                    </p:set>
+                                    <p:animEffect transition="in" filter="fade">
+                                      <p:cBhvr>
+                                        <p:cTn id="12" dur="500"/>
+                                        <p:tgtEl>
+                                          <p:spTgt spid="9"/>
+                                        </p:tgtEl>
+                                      </p:cBhvr>
+                                    </p:animEffect>
+                                  </p:childTnLst>
+                                </p:cTn>
+                              </p:par>
+                              <p:par>
+                                <p:cTn id="13" presetID="10" presetClass="entr" presetSubtype="0" fill="hold" grpId="0" nodeType="withEffect">
+                                  <p:stCondLst>
+                                    <p:cond delay="0"/>
+                                  </p:stCondLst>
+                                  <p:childTnLst>
+                                    <p:set>
+                                      <p:cBhvr>
+                                        <p:cTn id="14" dur="1" fill="hold">
+                                          <p:stCondLst>
+                                            <p:cond delay="0"/>
+                                          </p:stCondLst>
+                                        </p:cTn>
+                                        <p:tgtEl>
+                                          <p:spTgt spid="10"/>
+                                        </p:tgtEl>
+                                        <p:attrNameLst>
+                                          <p:attrName>style.visibility</p:attrName>
+                                        </p:attrNameLst>
+                                      </p:cBhvr>
+                                      <p:to>
+                                        <p:strVal val="visible"/>
+                                      </p:to>
+                                    </p:set>
+                                    <p:animEffect transition="in" filter="fade">
+                                      <p:cBhvr>
+                                        <p:cTn id="15" dur="500"/>
+                                        <p:tgtEl>
+                                          <p:spTgt spid="10"/>
+                                        </p:tgtEl>
+                                      </p:cBhvr>
+                                    </p:animEffect>
+                                  </p:childTnLst>
+                                </p:cTn>
+                              </p:par>
+                              <p:par>
+                                <p:cTn id="16" presetID="10" presetClass="entr" presetSubtype="0" fill="hold" nodeType="withEffect">
+                                  <p:stCondLst>
+                                    <p:cond delay="0"/>
+                                  </p:stCondLst>
+                                  <p:childTnLst>
+                                    <p:set>
+                                      <p:cBhvr>
+                                        <p:cTn id="17" dur="1" fill="hold">
+                                          <p:stCondLst>
+                                            <p:cond delay="0"/>
+                                          </p:stCondLst>
+                                        </p:cTn>
+                                        <p:tgtEl>
+                                          <p:spTgt spid="3"/>
+                                        </p:tgtEl>
+                                        <p:attrNameLst>
+                                          <p:attrName>style.visibility</p:attrName>
+                                        </p:attrNameLst>
+                                      </p:cBhvr>
+                                      <p:to>
+                                        <p:strVal val="visible"/>
+                                      </p:to>
+                                    </p:set>
+                                    <p:animEffect transition="in" filter="fade">
+                                      <p:cBhvr>
+                                        <p:cTn id="18" dur="500"/>
+                                        <p:tgtEl>
+                                          <p:spTgt spid="3"/>
+                                        </p:tgtEl>
+                                      </p:cBhvr>
+                                    </p:animEffect>
+                                  </p:childTnLst>
+                                </p:cTn>
+                              </p:par>
+                              <p:par>
+                                <p:cTn id="19" presetID="10" presetClass="entr" presetSubtype="0" fill="hold" nodeType="withEffect">
+                                  <p:stCondLst>
+                                    <p:cond delay="0"/>
+                                  </p:stCondLst>
+                                  <p:childTnLst>
+                                    <p:set>
+                                      <p:cBhvr>
+                                        <p:cTn id="20" dur="1" fill="hold">
+                                          <p:stCondLst>
+                                            <p:cond delay="0"/>
+                                          </p:stCondLst>
+                                        </p:cTn>
+                                        <p:tgtEl>
+                                          <p:spTgt spid="4"/>
+                                        </p:tgtEl>
+                                        <p:attrNameLst>
+                                          <p:attrName>style.visibility</p:attrName>
+                                        </p:attrNameLst>
+                                      </p:cBhvr>
+                                      <p:to>
+                                        <p:strVal val="visible"/>
+                                      </p:to>
+                                    </p:set>
+                                    <p:animEffect transition="in" filter="fade">
+                                      <p:cBhvr>
+                                        <p:cTn id="21" dur="500"/>
+                                        <p:tgtEl>
+                                          <p:spTgt spid="4"/>
+                                        </p:tgtEl>
+                                      </p:cBhvr>
+                                    </p:animEffect>
+                                  </p:childTnLst>
+                                </p:cTn>
+                              </p:par>
+                              <p:par>
+                                <p:cTn id="22" presetID="10" presetClass="entr" presetSubtype="0" fill="hold" nodeType="withEffect">
+                                  <p:stCondLst>
+                                    <p:cond delay="0"/>
+                                  </p:stCondLst>
+                                  <p:childTnLst>
+                                    <p:set>
+                                      <p:cBhvr>
+                                        <p:cTn id="23" dur="1" fill="hold">
+                                          <p:stCondLst>
+                                            <p:cond delay="0"/>
+                                          </p:stCondLst>
+                                        </p:cTn>
+                                        <p:tgtEl>
+                                          <p:spTgt spid="5"/>
+                                        </p:tgtEl>
+                                        <p:attrNameLst>
+                                          <p:attrName>style.visibility</p:attrName>
+                                        </p:attrNameLst>
+                                      </p:cBhvr>
+                                      <p:to>
+                                        <p:strVal val="visible"/>
+                                      </p:to>
+                                    </p:set>
+                                    <p:animEffect transition="in" filter="fade">
+                                      <p:cBhvr>
+                                        <p:cTn id="24" dur="500"/>
+                                        <p:tgtEl>
+                                          <p:spTgt spid="5"/>
+                                        </p:tgtEl>
+                                      </p:cBhvr>
+                                    </p:animEffect>
+                                  </p:childTnLst>
+                                </p:cTn>
+                              </p:par>
+                            </p:childTnLst>
+                          </p:cTn>
+                        </p:par>
+                      </p:childTnLst>
+                    </p:cTn>
+                  </p:par>
+                </p:childTnLst>
+              </p:cTn>
+              <p:prevCondLst>
+                <p:cond evt="onPrev" delay="0">
+                  <p:tgtEl>
+                    <p:sldTgt/>
+                  </p:tgtEl>
+                </p:cond>
+              </p:prevCondLst>
+              <p:nextCondLst>
+                <p:cond evt="onNext" delay="0">
+                  <p:tgtEl>
+                    <p:sldTgt/>
+                  </p:tgtEl>
+                </p:cond>
+              </p:nextCondLst>
+            </p:seq>
+          </p:childTnLst>
+        </p:cTn>
+      </p:par>
+    </p:tnLst>
+    <p:bldLst>
+      <p:bldP spid="2" grpId="0"/>
+      <p:bldP spid="10" grpId="0" animBg="1"/>
+    </p:bldLst>
+  </p:timing>
+</p:sld>
+</file>
+
+<file path=ppt/slides/slide7.xml><?xml version="1.0" encoding="utf-8"?>
 <p:sld xmlns:a="http://schemas.openxmlformats.org/drawingml/2006/main" xmlns:r="http://schemas.openxmlformats.org/officeDocument/2006/relationships" xmlns:p="http://schemas.openxmlformats.org/presentationml/2006/main">
   <p:cSld>
     <p:spTree>
@@ -12631,7 +13038,7 @@
 </p:sld>
 </file>
 
-<file path=ppt/slides/slide7.xml><?xml version="1.0" encoding="utf-8"?>
+<file path=ppt/slides/slide8.xml><?xml version="1.0" encoding="utf-8"?>
 <p:sld xmlns:a="http://schemas.openxmlformats.org/drawingml/2006/main" xmlns:r="http://schemas.openxmlformats.org/officeDocument/2006/relationships" xmlns:p="http://schemas.openxmlformats.org/presentationml/2006/main">
   <p:cSld>
     <p:spTree>
@@ -13405,7 +13812,7 @@
 </p:sld>
 </file>
 
-<file path=ppt/slides/slide8.xml><?xml version="1.0" encoding="utf-8"?>
+<file path=ppt/slides/slide9.xml><?xml version="1.0" encoding="utf-8"?>
 <p:sld xmlns:a="http://schemas.openxmlformats.org/drawingml/2006/main" xmlns:r="http://schemas.openxmlformats.org/officeDocument/2006/relationships" xmlns:p="http://schemas.openxmlformats.org/presentationml/2006/main">
   <p:cSld>
     <p:spTree>
@@ -14184,561 +14591,6 @@
       </p:par>
     </p:tnLst>
   </p:timing>
-</p:sld>
-</file>
-
-<file path=ppt/slides/slide9.xml><?xml version="1.0" encoding="utf-8"?>
-<p:sld xmlns:a="http://schemas.openxmlformats.org/drawingml/2006/main" xmlns:r="http://schemas.openxmlformats.org/officeDocument/2006/relationships" xmlns:p="http://schemas.openxmlformats.org/presentationml/2006/main">
-  <p:cSld>
-    <p:spTree>
-      <p:nvGrpSpPr>
-        <p:cNvPr id="1" name=""/>
-        <p:cNvGrpSpPr/>
-        <p:nvPr/>
-      </p:nvGrpSpPr>
-      <p:grpSpPr>
-        <a:xfrm>
-          <a:off x="0" y="0"/>
-          <a:ext cx="0" cy="0"/>
-          <a:chOff x="0" y="0"/>
-          <a:chExt cx="0" cy="0"/>
-        </a:xfrm>
-      </p:grpSpPr>
-      <p:sp>
-        <p:nvSpPr>
-          <p:cNvPr id="5" name="Title 1">
-            <a:extLst>
-              <a:ext uri="{FF2B5EF4-FFF2-40B4-BE49-F238E27FC236}">
-                <a16:creationId xmlns:a16="http://schemas.microsoft.com/office/drawing/2014/main" id="{9D964B99-45AC-6990-9BB2-4D3A5BC62BF7}"/>
-              </a:ext>
-            </a:extLst>
-          </p:cNvPr>
-          <p:cNvSpPr>
-            <a:spLocks noGrp="1"/>
-          </p:cNvSpPr>
-          <p:nvPr>
-            <p:ph type="title"/>
-          </p:nvPr>
-        </p:nvSpPr>
-        <p:spPr>
-          <a:xfrm>
-            <a:off x="411480" y="991443"/>
-            <a:ext cx="5292090" cy="1087819"/>
-          </a:xfrm>
-        </p:spPr>
-        <p:txBody>
-          <a:bodyPr vert="horz" lIns="91440" tIns="45720" rIns="91440" bIns="45720" rtlCol="0" anchor="b">
-            <a:noAutofit/>
-          </a:bodyPr>
-          <a:lstStyle/>
-          <a:p>
-            <a:r>
-              <a:rPr lang="en-US" sz="4313" spc="-49" dirty="0">
-                <a:ln w="3175">
-                  <a:noFill/>
-                </a:ln>
-                <a:solidFill>
-                  <a:schemeClr val="accent1">
-                    <a:lumMod val="75000"/>
-                  </a:schemeClr>
-                </a:solidFill>
-                <a:latin typeface="Segoe UI Semibold"/>
-                <a:ea typeface="+mn-ea"/>
-                <a:cs typeface="Segoe UI" pitchFamily="34" charset="0"/>
-              </a:rPr>
-              <a:t>Why SK?</a:t>
-            </a:r>
-          </a:p>
-        </p:txBody>
-      </p:sp>
-      <p:sp>
-        <p:nvSpPr>
-          <p:cNvPr id="6" name="Content Placeholder 3">
-            <a:extLst>
-              <a:ext uri="{FF2B5EF4-FFF2-40B4-BE49-F238E27FC236}">
-                <a16:creationId xmlns:a16="http://schemas.microsoft.com/office/drawing/2014/main" id="{4238AE2B-11DF-D1E3-B789-94E5F3DCE01B}"/>
-              </a:ext>
-            </a:extLst>
-          </p:cNvPr>
-          <p:cNvSpPr txBox="1">
-            <a:spLocks/>
-          </p:cNvSpPr>
-          <p:nvPr/>
-        </p:nvSpPr>
-        <p:spPr>
-          <a:xfrm>
-            <a:off x="411480" y="2684095"/>
-            <a:ext cx="4443154" cy="3492868"/>
-          </a:xfrm>
-          <a:prstGeom prst="rect">
-            <a:avLst/>
-          </a:prstGeom>
-        </p:spPr>
-        <p:txBody>
-          <a:bodyPr vert="horz" lIns="91440" tIns="45720" rIns="91440" bIns="45720" rtlCol="0">
-            <a:normAutofit lnSpcReduction="10000"/>
-          </a:bodyPr>
-          <a:lstStyle>
-            <a:lvl1pPr marL="228600" indent="-228600" algn="l" defTabSz="914400" rtl="0" eaLnBrk="1" latinLnBrk="0" hangingPunct="1">
-              <a:lnSpc>
-                <a:spcPct val="90000"/>
-              </a:lnSpc>
-              <a:spcBef>
-                <a:spcPts val="1000"/>
-              </a:spcBef>
-              <a:buFont typeface="Arial" panose="020B0604020202020204" pitchFamily="34" charset="0"/>
-              <a:buChar char="•"/>
-              <a:defRPr sz="2800" kern="1200">
-                <a:solidFill>
-                  <a:schemeClr val="tx1"/>
-                </a:solidFill>
-                <a:latin typeface="+mn-lt"/>
-                <a:ea typeface="+mn-ea"/>
-                <a:cs typeface="+mn-cs"/>
-              </a:defRPr>
-            </a:lvl1pPr>
-            <a:lvl2pPr marL="685800" indent="-228600" algn="l" defTabSz="914400" rtl="0" eaLnBrk="1" latinLnBrk="0" hangingPunct="1">
-              <a:lnSpc>
-                <a:spcPct val="90000"/>
-              </a:lnSpc>
-              <a:spcBef>
-                <a:spcPts val="500"/>
-              </a:spcBef>
-              <a:buFont typeface="Arial" panose="020B0604020202020204" pitchFamily="34" charset="0"/>
-              <a:buChar char="•"/>
-              <a:defRPr sz="2400" kern="1200">
-                <a:solidFill>
-                  <a:schemeClr val="tx1"/>
-                </a:solidFill>
-                <a:latin typeface="+mn-lt"/>
-                <a:ea typeface="+mn-ea"/>
-                <a:cs typeface="+mn-cs"/>
-              </a:defRPr>
-            </a:lvl2pPr>
-            <a:lvl3pPr marL="1143000" indent="-228600" algn="l" defTabSz="914400" rtl="0" eaLnBrk="1" latinLnBrk="0" hangingPunct="1">
-              <a:lnSpc>
-                <a:spcPct val="90000"/>
-              </a:lnSpc>
-              <a:spcBef>
-                <a:spcPts val="500"/>
-              </a:spcBef>
-              <a:buFont typeface="Arial" panose="020B0604020202020204" pitchFamily="34" charset="0"/>
-              <a:buChar char="•"/>
-              <a:defRPr sz="2000" kern="1200">
-                <a:solidFill>
-                  <a:schemeClr val="tx1"/>
-                </a:solidFill>
-                <a:latin typeface="+mn-lt"/>
-                <a:ea typeface="+mn-ea"/>
-                <a:cs typeface="+mn-cs"/>
-              </a:defRPr>
-            </a:lvl3pPr>
-            <a:lvl4pPr marL="1600200" indent="-228600" algn="l" defTabSz="914400" rtl="0" eaLnBrk="1" latinLnBrk="0" hangingPunct="1">
-              <a:lnSpc>
-                <a:spcPct val="90000"/>
-              </a:lnSpc>
-              <a:spcBef>
-                <a:spcPts val="500"/>
-              </a:spcBef>
-              <a:buFont typeface="Arial" panose="020B0604020202020204" pitchFamily="34" charset="0"/>
-              <a:buChar char="•"/>
-              <a:defRPr sz="1800" kern="1200">
-                <a:solidFill>
-                  <a:schemeClr val="tx1"/>
-                </a:solidFill>
-                <a:latin typeface="+mn-lt"/>
-                <a:ea typeface="+mn-ea"/>
-                <a:cs typeface="+mn-cs"/>
-              </a:defRPr>
-            </a:lvl4pPr>
-            <a:lvl5pPr marL="2057400" indent="-228600" algn="l" defTabSz="914400" rtl="0" eaLnBrk="1" latinLnBrk="0" hangingPunct="1">
-              <a:lnSpc>
-                <a:spcPct val="90000"/>
-              </a:lnSpc>
-              <a:spcBef>
-                <a:spcPts val="500"/>
-              </a:spcBef>
-              <a:buFont typeface="Arial" panose="020B0604020202020204" pitchFamily="34" charset="0"/>
-              <a:buChar char="•"/>
-              <a:defRPr sz="1800" kern="1200">
-                <a:solidFill>
-                  <a:schemeClr val="tx1"/>
-                </a:solidFill>
-                <a:latin typeface="+mn-lt"/>
-                <a:ea typeface="+mn-ea"/>
-                <a:cs typeface="+mn-cs"/>
-              </a:defRPr>
-            </a:lvl5pPr>
-            <a:lvl6pPr marL="2514600" indent="-228600" algn="l" defTabSz="914400" rtl="0" eaLnBrk="1" latinLnBrk="0" hangingPunct="1">
-              <a:lnSpc>
-                <a:spcPct val="90000"/>
-              </a:lnSpc>
-              <a:spcBef>
-                <a:spcPts val="500"/>
-              </a:spcBef>
-              <a:buFont typeface="Arial" panose="020B0604020202020204" pitchFamily="34" charset="0"/>
-              <a:buChar char="•"/>
-              <a:defRPr sz="1800" kern="1200">
-                <a:solidFill>
-                  <a:schemeClr val="tx1"/>
-                </a:solidFill>
-                <a:latin typeface="+mn-lt"/>
-                <a:ea typeface="+mn-ea"/>
-                <a:cs typeface="+mn-cs"/>
-              </a:defRPr>
-            </a:lvl6pPr>
-            <a:lvl7pPr marL="2971800" indent="-228600" algn="l" defTabSz="914400" rtl="0" eaLnBrk="1" latinLnBrk="0" hangingPunct="1">
-              <a:lnSpc>
-                <a:spcPct val="90000"/>
-              </a:lnSpc>
-              <a:spcBef>
-                <a:spcPts val="500"/>
-              </a:spcBef>
-              <a:buFont typeface="Arial" panose="020B0604020202020204" pitchFamily="34" charset="0"/>
-              <a:buChar char="•"/>
-              <a:defRPr sz="1800" kern="1200">
-                <a:solidFill>
-                  <a:schemeClr val="tx1"/>
-                </a:solidFill>
-                <a:latin typeface="+mn-lt"/>
-                <a:ea typeface="+mn-ea"/>
-                <a:cs typeface="+mn-cs"/>
-              </a:defRPr>
-            </a:lvl7pPr>
-            <a:lvl8pPr marL="3429000" indent="-228600" algn="l" defTabSz="914400" rtl="0" eaLnBrk="1" latinLnBrk="0" hangingPunct="1">
-              <a:lnSpc>
-                <a:spcPct val="90000"/>
-              </a:lnSpc>
-              <a:spcBef>
-                <a:spcPts val="500"/>
-              </a:spcBef>
-              <a:buFont typeface="Arial" panose="020B0604020202020204" pitchFamily="34" charset="0"/>
-              <a:buChar char="•"/>
-              <a:defRPr sz="1800" kern="1200">
-                <a:solidFill>
-                  <a:schemeClr val="tx1"/>
-                </a:solidFill>
-                <a:latin typeface="+mn-lt"/>
-                <a:ea typeface="+mn-ea"/>
-                <a:cs typeface="+mn-cs"/>
-              </a:defRPr>
-            </a:lvl8pPr>
-            <a:lvl9pPr marL="3886200" indent="-228600" algn="l" defTabSz="914400" rtl="0" eaLnBrk="1" latinLnBrk="0" hangingPunct="1">
-              <a:lnSpc>
-                <a:spcPct val="90000"/>
-              </a:lnSpc>
-              <a:spcBef>
-                <a:spcPts val="500"/>
-              </a:spcBef>
-              <a:buFont typeface="Arial" panose="020B0604020202020204" pitchFamily="34" charset="0"/>
-              <a:buChar char="•"/>
-              <a:defRPr sz="1800" kern="1200">
-                <a:solidFill>
-                  <a:schemeClr val="tx1"/>
-                </a:solidFill>
-                <a:latin typeface="+mn-lt"/>
-                <a:ea typeface="+mn-ea"/>
-                <a:cs typeface="+mn-cs"/>
-              </a:defRPr>
-            </a:lvl9pPr>
-          </a:lstStyle>
-          <a:p>
-            <a:r>
-              <a:rPr lang="en-US" sz="1800" dirty="0">
-                <a:solidFill>
-                  <a:schemeClr val="accent1">
-                    <a:lumMod val="75000"/>
-                  </a:schemeClr>
-                </a:solidFill>
-                <a:latin typeface="Segoe UI Semibold" panose="020B0702040204020203" pitchFamily="34" charset="0"/>
-                <a:cs typeface="Segoe UI Semibold" panose="020B0702040204020203" pitchFamily="34" charset="0"/>
-              </a:rPr>
-              <a:t>Easy to use and lightweight</a:t>
-            </a:r>
-          </a:p>
-          <a:p>
-            <a:r>
-              <a:rPr lang="en-US" sz="1800" dirty="0">
-                <a:solidFill>
-                  <a:schemeClr val="accent1">
-                    <a:lumMod val="75000"/>
-                  </a:schemeClr>
-                </a:solidFill>
-                <a:latin typeface="Segoe UI Semibold" panose="020B0702040204020203" pitchFamily="34" charset="0"/>
-                <a:cs typeface="Segoe UI Semibold" panose="020B0702040204020203" pitchFamily="34" charset="0"/>
-              </a:rPr>
-              <a:t>Parity across .NET, Python and Java</a:t>
-            </a:r>
-          </a:p>
-          <a:p>
-            <a:r>
-              <a:rPr lang="en-US" sz="1800" dirty="0">
-                <a:solidFill>
-                  <a:schemeClr val="accent1">
-                    <a:lumMod val="75000"/>
-                  </a:schemeClr>
-                </a:solidFill>
-                <a:latin typeface="Segoe UI Semibold" panose="020B0702040204020203" pitchFamily="34" charset="0"/>
-                <a:cs typeface="Segoe UI Semibold" panose="020B0702040204020203" pitchFamily="34" charset="0"/>
-              </a:rPr>
-              <a:t>Committed to not introducing anymore breaking changes to non-experimental features as of V1.0</a:t>
-            </a:r>
-          </a:p>
-          <a:p>
-            <a:r>
-              <a:rPr lang="en-US" sz="1800" dirty="0">
-                <a:solidFill>
-                  <a:schemeClr val="accent1">
-                    <a:lumMod val="75000"/>
-                  </a:schemeClr>
-                </a:solidFill>
-                <a:latin typeface="Segoe UI Semibold" panose="020B0702040204020203" pitchFamily="34" charset="0"/>
-                <a:cs typeface="Segoe UI Semibold" panose="020B0702040204020203" pitchFamily="34" charset="0"/>
-              </a:rPr>
-              <a:t>More connectors to the most popular models i.e. Gemini, Llama, Mistral, Claude and many others</a:t>
-            </a:r>
-          </a:p>
-          <a:p>
-            <a:r>
-              <a:rPr lang="en-US" sz="1800" dirty="0">
-                <a:solidFill>
-                  <a:schemeClr val="accent1">
-                    <a:lumMod val="75000"/>
-                  </a:schemeClr>
-                </a:solidFill>
-                <a:latin typeface="Segoe UI Semibold" panose="020B0702040204020203" pitchFamily="34" charset="0"/>
-                <a:cs typeface="Segoe UI Semibold" panose="020B0702040204020203" pitchFamily="34" charset="0"/>
-              </a:rPr>
-              <a:t>Make it easier to support Multi-Modal experiences i.e. audio, images, videos etc.</a:t>
-            </a:r>
-          </a:p>
-          <a:p>
-            <a:r>
-              <a:rPr lang="en-US" sz="1800" dirty="0">
-                <a:solidFill>
-                  <a:schemeClr val="accent1">
-                    <a:lumMod val="75000"/>
-                  </a:schemeClr>
-                </a:solidFill>
-                <a:latin typeface="Segoe UI Semibold" panose="020B0702040204020203" pitchFamily="34" charset="0"/>
-                <a:cs typeface="Segoe UI Semibold" panose="020B0702040204020203" pitchFamily="34" charset="0"/>
-              </a:rPr>
-              <a:t>Integrated agent support</a:t>
-            </a:r>
-          </a:p>
-        </p:txBody>
-      </p:sp>
-      <p:pic>
-        <p:nvPicPr>
-          <p:cNvPr id="7" name="Content Placeholder 4" descr="A Businesswoman holding a laptop with a headset on.Shot with Nikkor 24-70 f/2.8">
-            <a:extLst>
-              <a:ext uri="{FF2B5EF4-FFF2-40B4-BE49-F238E27FC236}">
-                <a16:creationId xmlns:a16="http://schemas.microsoft.com/office/drawing/2014/main" id="{61BA40B1-8BDE-451D-9005-44F4FAA478F2}"/>
-              </a:ext>
-            </a:extLst>
-          </p:cNvPr>
-          <p:cNvPicPr>
-            <a:picLocks noGrp="1" noChangeAspect="1"/>
-          </p:cNvPicPr>
-          <p:nvPr>
-            <p:ph sz="half" idx="1"/>
-          </p:nvPr>
-        </p:nvPicPr>
-        <p:blipFill>
-          <a:blip r:embed="rId3"/>
-          <a:stretch>
-            <a:fillRect/>
-          </a:stretch>
-        </p:blipFill>
-        <p:spPr>
-          <a:xfrm>
-            <a:off x="5385816" y="720497"/>
-            <a:ext cx="6440424" cy="5361652"/>
-          </a:xfrm>
-          <a:prstGeom prst="rect">
-            <a:avLst/>
-          </a:prstGeom>
-        </p:spPr>
-      </p:pic>
-      <p:sp>
-        <p:nvSpPr>
-          <p:cNvPr id="8" name="Rectangle 7">
-            <a:extLst>
-              <a:ext uri="{FF2B5EF4-FFF2-40B4-BE49-F238E27FC236}">
-                <a16:creationId xmlns:a16="http://schemas.microsoft.com/office/drawing/2014/main" id="{893EAEE0-B0BD-E952-2588-224867FD542B}"/>
-              </a:ext>
-            </a:extLst>
-          </p:cNvPr>
-          <p:cNvSpPr/>
-          <p:nvPr/>
-        </p:nvSpPr>
-        <p:spPr>
-          <a:xfrm>
-            <a:off x="541020" y="2181497"/>
-            <a:ext cx="4443154" cy="45719"/>
-          </a:xfrm>
-          <a:prstGeom prst="rect">
-            <a:avLst/>
-          </a:prstGeom>
-          <a:solidFill>
-            <a:schemeClr val="accent1">
-              <a:lumMod val="75000"/>
-            </a:schemeClr>
-          </a:solidFill>
-          <a:ln>
-            <a:solidFill>
-              <a:schemeClr val="accent1">
-                <a:lumMod val="75000"/>
-              </a:schemeClr>
-            </a:solidFill>
-          </a:ln>
-        </p:spPr>
-        <p:style>
-          <a:lnRef idx="2">
-            <a:schemeClr val="accent1">
-              <a:shade val="15000"/>
-            </a:schemeClr>
-          </a:lnRef>
-          <a:fillRef idx="1">
-            <a:schemeClr val="accent1"/>
-          </a:fillRef>
-          <a:effectRef idx="0">
-            <a:schemeClr val="accent1"/>
-          </a:effectRef>
-          <a:fontRef idx="minor">
-            <a:schemeClr val="lt1"/>
-          </a:fontRef>
-        </p:style>
-        <p:txBody>
-          <a:bodyPr rtlCol="0" anchor="ctr"/>
-          <a:lstStyle/>
-          <a:p>
-            <a:pPr algn="ctr"/>
-            <a:endParaRPr lang="en-US">
-              <a:solidFill>
-                <a:schemeClr val="accent1">
-                  <a:lumMod val="75000"/>
-                </a:schemeClr>
-              </a:solidFill>
-            </a:endParaRPr>
-          </a:p>
-        </p:txBody>
-      </p:sp>
-      <p:sp>
-        <p:nvSpPr>
-          <p:cNvPr id="9" name="Rectangle 8">
-            <a:extLst>
-              <a:ext uri="{FF2B5EF4-FFF2-40B4-BE49-F238E27FC236}">
-                <a16:creationId xmlns:a16="http://schemas.microsoft.com/office/drawing/2014/main" id="{32A87F60-08F4-CE63-BEED-44720DA4AB42}"/>
-              </a:ext>
-            </a:extLst>
-          </p:cNvPr>
-          <p:cNvSpPr/>
-          <p:nvPr/>
-        </p:nvSpPr>
-        <p:spPr>
-          <a:xfrm>
-            <a:off x="541020" y="618172"/>
-            <a:ext cx="948690" cy="125729"/>
-          </a:xfrm>
-          <a:prstGeom prst="rect">
-            <a:avLst/>
-          </a:prstGeom>
-          <a:solidFill>
-            <a:schemeClr val="accent1">
-              <a:lumMod val="20000"/>
-              <a:lumOff val="80000"/>
-            </a:schemeClr>
-          </a:solidFill>
-          <a:ln>
-            <a:solidFill>
-              <a:schemeClr val="accent1">
-                <a:lumMod val="20000"/>
-                <a:lumOff val="80000"/>
-              </a:schemeClr>
-            </a:solidFill>
-          </a:ln>
-        </p:spPr>
-        <p:style>
-          <a:lnRef idx="2">
-            <a:schemeClr val="accent1">
-              <a:shade val="15000"/>
-            </a:schemeClr>
-          </a:lnRef>
-          <a:fillRef idx="1">
-            <a:schemeClr val="accent1"/>
-          </a:fillRef>
-          <a:effectRef idx="0">
-            <a:schemeClr val="accent1"/>
-          </a:effectRef>
-          <a:fontRef idx="minor">
-            <a:schemeClr val="lt1"/>
-          </a:fontRef>
-        </p:style>
-        <p:txBody>
-          <a:bodyPr rtlCol="0" anchor="ctr"/>
-          <a:lstStyle/>
-          <a:p>
-            <a:pPr algn="ctr"/>
-            <a:endParaRPr lang="en-US">
-              <a:ln>
-                <a:solidFill>
-                  <a:schemeClr val="accent1">
-                    <a:lumMod val="40000"/>
-                    <a:lumOff val="60000"/>
-                  </a:schemeClr>
-                </a:solidFill>
-              </a:ln>
-            </a:endParaRPr>
-          </a:p>
-        </p:txBody>
-      </p:sp>
-      <p:pic>
-        <p:nvPicPr>
-          <p:cNvPr id="2" name="Picture 1" descr="A logo with a black background&#10;&#10;Description automatically generated">
-            <a:extLst>
-              <a:ext uri="{FF2B5EF4-FFF2-40B4-BE49-F238E27FC236}">
-                <a16:creationId xmlns:a16="http://schemas.microsoft.com/office/drawing/2014/main" id="{19271A06-F7D6-11EB-A6C1-9A9E3C1923D7}"/>
-              </a:ext>
-            </a:extLst>
-          </p:cNvPr>
-          <p:cNvPicPr>
-            <a:picLocks noChangeAspect="1"/>
-          </p:cNvPicPr>
-          <p:nvPr/>
-        </p:nvPicPr>
-        <p:blipFill>
-          <a:blip r:embed="rId4">
-            <a:extLst>
-              <a:ext uri="{28A0092B-C50C-407E-A947-70E740481C1C}">
-                <a14:useLocalDpi xmlns:a14="http://schemas.microsoft.com/office/drawing/2010/main" val="0"/>
-              </a:ext>
-            </a:extLst>
-          </a:blip>
-          <a:stretch>
-            <a:fillRect/>
-          </a:stretch>
-        </p:blipFill>
-        <p:spPr>
-          <a:xfrm>
-            <a:off x="8750740" y="1999252"/>
-            <a:ext cx="1670304" cy="1181211"/>
-          </a:xfrm>
-          <a:prstGeom prst="rect">
-            <a:avLst/>
-          </a:prstGeom>
-        </p:spPr>
-      </p:pic>
-    </p:spTree>
-    <p:extLst>
-      <p:ext uri="{BB962C8B-B14F-4D97-AF65-F5344CB8AC3E}">
-        <p14:creationId xmlns:p14="http://schemas.microsoft.com/office/powerpoint/2010/main" val="551584792"/>
-      </p:ext>
-    </p:extLst>
-  </p:cSld>
-  <p:clrMapOvr>
-    <a:masterClrMapping/>
-  </p:clrMapOvr>
 </p:sld>
 </file>
 

--- a/ppts/Lesson2.pptx
+++ b/ppts/Lesson2.pptx
@@ -6,19 +6,18 @@
     <p:sldMasterId id="2147483660" r:id="rId2"/>
   </p:sldMasterIdLst>
   <p:notesMasterIdLst>
-    <p:notesMasterId r:id="rId13"/>
+    <p:notesMasterId r:id="rId12"/>
   </p:notesMasterIdLst>
   <p:sldIdLst>
     <p:sldId id="256" r:id="rId3"/>
     <p:sldId id="2147480362" r:id="rId4"/>
     <p:sldId id="2147480350" r:id="rId5"/>
     <p:sldId id="2147480358" r:id="rId6"/>
-    <p:sldId id="2147480364" r:id="rId7"/>
-    <p:sldId id="2147480363" r:id="rId8"/>
-    <p:sldId id="2147480352" r:id="rId9"/>
-    <p:sldId id="2147480359" r:id="rId10"/>
-    <p:sldId id="2147480360" r:id="rId11"/>
-    <p:sldId id="2147480355" r:id="rId12"/>
+    <p:sldId id="2147480363" r:id="rId7"/>
+    <p:sldId id="2147480352" r:id="rId8"/>
+    <p:sldId id="2147480359" r:id="rId9"/>
+    <p:sldId id="2147480360" r:id="rId10"/>
+    <p:sldId id="2147480355" r:id="rId11"/>
   </p:sldIdLst>
   <p:sldSz cx="12192000" cy="6858000"/>
   <p:notesSz cx="6858000" cy="9144000"/>
@@ -931,7 +930,7 @@
           <a:p>
             <a:fld id="{418DB7D2-5196-4B99-A361-3B82269EBCEE}" type="slidenum">
               <a:rPr lang="en-US" smtClean="0"/>
-              <a:t>6</a:t>
+              <a:t>5</a:t>
             </a:fld>
             <a:endParaRPr lang="en-US"/>
           </a:p>
@@ -1018,7 +1017,7 @@
           <a:p>
             <a:fld id="{418DB7D2-5196-4B99-A361-3B82269EBCEE}" type="slidenum">
               <a:rPr lang="en-US" smtClean="0"/>
-              <a:t>7</a:t>
+              <a:t>6</a:t>
             </a:fld>
             <a:endParaRPr lang="en-US"/>
           </a:p>
@@ -1113,7 +1112,7 @@
           <a:p>
             <a:fld id="{418DB7D2-5196-4B99-A361-3B82269EBCEE}" type="slidenum">
               <a:rPr lang="en-US" smtClean="0"/>
-              <a:t>8</a:t>
+              <a:t>7</a:t>
             </a:fld>
             <a:endParaRPr lang="en-US"/>
           </a:p>
@@ -1200,7 +1199,7 @@
           <a:p>
             <a:fld id="{418DB7D2-5196-4B99-A361-3B82269EBCEE}" type="slidenum">
               <a:rPr lang="en-US" smtClean="0"/>
-              <a:t>9</a:t>
+              <a:t>8</a:t>
             </a:fld>
             <a:endParaRPr lang="en-US"/>
           </a:p>
@@ -1287,7 +1286,7 @@
           <a:p>
             <a:fld id="{418DB7D2-5196-4B99-A361-3B82269EBCEE}" type="slidenum">
               <a:rPr lang="en-US" smtClean="0"/>
-              <a:t>10</a:t>
+              <a:t>9</a:t>
             </a:fld>
             <a:endParaRPr lang="en-US"/>
           </a:p>
@@ -7661,188 +7660,6 @@
 </p:sld>
 </file>
 
-<file path=ppt/slides/slide10.xml><?xml version="1.0" encoding="utf-8"?>
-<p:sld xmlns:a="http://schemas.openxmlformats.org/drawingml/2006/main" xmlns:r="http://schemas.openxmlformats.org/officeDocument/2006/relationships" xmlns:p="http://schemas.openxmlformats.org/presentationml/2006/main">
-  <p:cSld>
-    <p:spTree>
-      <p:nvGrpSpPr>
-        <p:cNvPr id="1" name=""/>
-        <p:cNvGrpSpPr/>
-        <p:nvPr/>
-      </p:nvGrpSpPr>
-      <p:grpSpPr>
-        <a:xfrm>
-          <a:off x="0" y="0"/>
-          <a:ext cx="0" cy="0"/>
-          <a:chOff x="0" y="0"/>
-          <a:chExt cx="0" cy="0"/>
-        </a:xfrm>
-      </p:grpSpPr>
-      <p:pic>
-        <p:nvPicPr>
-          <p:cNvPr id="6" name="Picture 5" descr="A circular design with lines and dots&#10;&#10;Description automatically generated">
-            <a:extLst>
-              <a:ext uri="{FF2B5EF4-FFF2-40B4-BE49-F238E27FC236}">
-                <a16:creationId xmlns:a16="http://schemas.microsoft.com/office/drawing/2014/main" id="{2EDCDF69-191A-422F-33B1-341000898EF5}"/>
-              </a:ext>
-            </a:extLst>
-          </p:cNvPr>
-          <p:cNvPicPr>
-            <a:picLocks noChangeAspect="1"/>
-          </p:cNvPicPr>
-          <p:nvPr/>
-        </p:nvPicPr>
-        <p:blipFill>
-          <a:blip r:embed="rId3">
-            <a:extLst>
-              <a:ext uri="{28A0092B-C50C-407E-A947-70E740481C1C}">
-                <a14:useLocalDpi xmlns:a14="http://schemas.microsoft.com/office/drawing/2010/main" val="0"/>
-              </a:ext>
-            </a:extLst>
-          </a:blip>
-          <a:stretch>
-            <a:fillRect/>
-          </a:stretch>
-        </p:blipFill>
-        <p:spPr>
-          <a:xfrm>
-            <a:off x="5334000" y="0"/>
-            <a:ext cx="6858000" cy="6858000"/>
-          </a:xfrm>
-          <a:prstGeom prst="rect">
-            <a:avLst/>
-          </a:prstGeom>
-        </p:spPr>
-      </p:pic>
-      <p:sp>
-        <p:nvSpPr>
-          <p:cNvPr id="7" name="Title 1">
-            <a:extLst>
-              <a:ext uri="{FF2B5EF4-FFF2-40B4-BE49-F238E27FC236}">
-                <a16:creationId xmlns:a16="http://schemas.microsoft.com/office/drawing/2014/main" id="{C035917E-B677-9283-F111-DF5A9DA69C49}"/>
-              </a:ext>
-            </a:extLst>
-          </p:cNvPr>
-          <p:cNvSpPr>
-            <a:spLocks noGrp="1"/>
-          </p:cNvSpPr>
-          <p:nvPr>
-            <p:ph type="title"/>
-          </p:nvPr>
-        </p:nvSpPr>
-        <p:spPr>
-          <a:xfrm>
-            <a:off x="411480" y="991443"/>
-            <a:ext cx="5292090" cy="1087819"/>
-          </a:xfrm>
-        </p:spPr>
-        <p:txBody>
-          <a:bodyPr vert="horz" lIns="91440" tIns="45720" rIns="91440" bIns="45720" rtlCol="0" anchor="b">
-            <a:noAutofit/>
-          </a:bodyPr>
-          <a:lstStyle/>
-          <a:p>
-            <a:r>
-              <a:rPr lang="en-US" sz="4313" spc="-49" dirty="0">
-                <a:ln w="3175">
-                  <a:noFill/>
-                </a:ln>
-                <a:solidFill>
-                  <a:schemeClr val="accent1">
-                    <a:lumMod val="75000"/>
-                  </a:schemeClr>
-                </a:solidFill>
-                <a:latin typeface="Segoe UI Semibold"/>
-                <a:ea typeface="+mn-ea"/>
-                <a:cs typeface="Segoe UI" pitchFamily="34" charset="0"/>
-              </a:rPr>
-              <a:t>Let’s dive into the code.</a:t>
-            </a:r>
-          </a:p>
-        </p:txBody>
-      </p:sp>
-      <p:sp>
-        <p:nvSpPr>
-          <p:cNvPr id="8" name="Rectangle 7">
-            <a:extLst>
-              <a:ext uri="{FF2B5EF4-FFF2-40B4-BE49-F238E27FC236}">
-                <a16:creationId xmlns:a16="http://schemas.microsoft.com/office/drawing/2014/main" id="{FF1A8E09-F3CA-27FA-76D1-E4CF17A39157}"/>
-              </a:ext>
-            </a:extLst>
-          </p:cNvPr>
-          <p:cNvSpPr/>
-          <p:nvPr/>
-        </p:nvSpPr>
-        <p:spPr>
-          <a:xfrm>
-            <a:off x="541020" y="618172"/>
-            <a:ext cx="948690" cy="125729"/>
-          </a:xfrm>
-          <a:prstGeom prst="rect">
-            <a:avLst/>
-          </a:prstGeom>
-          <a:solidFill>
-            <a:schemeClr val="accent1">
-              <a:lumMod val="20000"/>
-              <a:lumOff val="80000"/>
-            </a:schemeClr>
-          </a:solidFill>
-          <a:ln>
-            <a:solidFill>
-              <a:schemeClr val="accent1">
-                <a:lumMod val="20000"/>
-                <a:lumOff val="80000"/>
-              </a:schemeClr>
-            </a:solidFill>
-          </a:ln>
-        </p:spPr>
-        <p:style>
-          <a:lnRef idx="2">
-            <a:schemeClr val="accent1">
-              <a:shade val="15000"/>
-            </a:schemeClr>
-          </a:lnRef>
-          <a:fillRef idx="1">
-            <a:schemeClr val="accent1"/>
-          </a:fillRef>
-          <a:effectRef idx="0">
-            <a:schemeClr val="accent1"/>
-          </a:effectRef>
-          <a:fontRef idx="minor">
-            <a:schemeClr val="lt1"/>
-          </a:fontRef>
-        </p:style>
-        <p:txBody>
-          <a:bodyPr rtlCol="0" anchor="ctr"/>
-          <a:lstStyle/>
-          <a:p>
-            <a:pPr algn="ctr"/>
-            <a:endParaRPr lang="en-US">
-              <a:ln>
-                <a:solidFill>
-                  <a:schemeClr val="accent1">
-                    <a:lumMod val="40000"/>
-                    <a:lumOff val="60000"/>
-                  </a:schemeClr>
-                </a:solidFill>
-              </a:ln>
-            </a:endParaRPr>
-          </a:p>
-        </p:txBody>
-      </p:sp>
-    </p:spTree>
-    <p:extLst>
-      <p:ext uri="{BB962C8B-B14F-4D97-AF65-F5344CB8AC3E}">
-        <p14:creationId xmlns:p14="http://schemas.microsoft.com/office/powerpoint/2010/main" val="2187517480"/>
-      </p:ext>
-    </p:extLst>
-  </p:cSld>
-  <p:clrMapOvr>
-    <a:masterClrMapping/>
-  </p:clrMapOvr>
-</p:sld>
-</file>
-
 <file path=ppt/slides/slide2.xml><?xml version="1.0" encoding="utf-8"?>
 <p:sld xmlns:a="http://schemas.openxmlformats.org/drawingml/2006/main" xmlns:r="http://schemas.openxmlformats.org/officeDocument/2006/relationships" xmlns:p="http://schemas.openxmlformats.org/presentationml/2006/main">
   <p:cSld>
@@ -10961,66 +10778,6 @@
           <a:chExt cx="0" cy="0"/>
         </a:xfrm>
       </p:grpSpPr>
-      <p:pic>
-        <p:nvPicPr>
-          <p:cNvPr id="5" name="Picture 4">
-            <a:extLst>
-              <a:ext uri="{FF2B5EF4-FFF2-40B4-BE49-F238E27FC236}">
-                <a16:creationId xmlns:a16="http://schemas.microsoft.com/office/drawing/2014/main" id="{873B3460-9D12-4A03-68BB-94E33D78E003}"/>
-              </a:ext>
-            </a:extLst>
-          </p:cNvPr>
-          <p:cNvPicPr>
-            <a:picLocks noChangeAspect="1"/>
-          </p:cNvPicPr>
-          <p:nvPr/>
-        </p:nvPicPr>
-        <p:blipFill>
-          <a:blip r:embed="rId2"/>
-          <a:stretch>
-            <a:fillRect/>
-          </a:stretch>
-        </p:blipFill>
-        <p:spPr>
-          <a:xfrm>
-            <a:off x="3047736" y="1714351"/>
-            <a:ext cx="6096528" cy="3429297"/>
-          </a:xfrm>
-          <a:prstGeom prst="rect">
-            <a:avLst/>
-          </a:prstGeom>
-        </p:spPr>
-      </p:pic>
-    </p:spTree>
-    <p:extLst>
-      <p:ext uri="{BB962C8B-B14F-4D97-AF65-F5344CB8AC3E}">
-        <p14:creationId xmlns:p14="http://schemas.microsoft.com/office/powerpoint/2010/main" val="3701761953"/>
-      </p:ext>
-    </p:extLst>
-  </p:cSld>
-  <p:clrMapOvr>
-    <a:masterClrMapping/>
-  </p:clrMapOvr>
-</p:sld>
-</file>
-
-<file path=ppt/slides/slide6.xml><?xml version="1.0" encoding="utf-8"?>
-<p:sld xmlns:a="http://schemas.openxmlformats.org/drawingml/2006/main" xmlns:r="http://schemas.openxmlformats.org/officeDocument/2006/relationships" xmlns:p="http://schemas.openxmlformats.org/presentationml/2006/main">
-  <p:cSld>
-    <p:spTree>
-      <p:nvGrpSpPr>
-        <p:cNvPr id="1" name=""/>
-        <p:cNvGrpSpPr/>
-        <p:nvPr/>
-      </p:nvGrpSpPr>
-      <p:grpSpPr>
-        <a:xfrm>
-          <a:off x="0" y="0"/>
-          <a:ext cx="0" cy="0"/>
-          <a:chOff x="0" y="0"/>
-          <a:chExt cx="0" cy="0"/>
-        </a:xfrm>
-      </p:grpSpPr>
       <p:sp>
         <p:nvSpPr>
           <p:cNvPr id="6" name="Title 1">
@@ -11506,124 +11263,145 @@
           </a:p>
         </p:txBody>
       </p:sp>
-      <p:pic>
-        <p:nvPicPr>
-          <p:cNvPr id="3" name="Picture 2">
+      <p:grpSp>
+        <p:nvGrpSpPr>
+          <p:cNvPr id="8" name="Group 7">
             <a:extLst>
               <a:ext uri="{FF2B5EF4-FFF2-40B4-BE49-F238E27FC236}">
-                <a16:creationId xmlns:a16="http://schemas.microsoft.com/office/drawing/2014/main" id="{FA154C55-9584-91F9-E596-65FB9DBDA17F}"/>
+                <a16:creationId xmlns:a16="http://schemas.microsoft.com/office/drawing/2014/main" id="{98ED4D37-1AF0-2C50-6B0A-97D127522FF8}"/>
               </a:ext>
             </a:extLst>
           </p:cNvPr>
-          <p:cNvPicPr>
-            <a:picLocks noChangeAspect="1"/>
-          </p:cNvPicPr>
+          <p:cNvGrpSpPr/>
           <p:nvPr/>
-        </p:nvPicPr>
-        <p:blipFill>
-          <a:blip r:embed="rId3"/>
-          <a:stretch>
-            <a:fillRect/>
-          </a:stretch>
-        </p:blipFill>
-        <p:spPr>
+        </p:nvGrpSpPr>
+        <p:grpSpPr>
           <a:xfrm>
-            <a:off x="1624118" y="2471860"/>
-            <a:ext cx="5996335" cy="2781443"/>
+            <a:off x="0" y="2515842"/>
+            <a:ext cx="7612570" cy="2781443"/>
+            <a:chOff x="7883" y="2471860"/>
+            <a:chExt cx="7612570" cy="2781443"/>
           </a:xfrm>
-          <a:prstGeom prst="rect">
-            <a:avLst/>
-          </a:prstGeom>
-        </p:spPr>
-      </p:pic>
-      <p:cxnSp>
-        <p:nvCxnSpPr>
-          <p:cNvPr id="4" name="Straight Arrow Connector 3">
-            <a:extLst>
-              <a:ext uri="{FF2B5EF4-FFF2-40B4-BE49-F238E27FC236}">
-                <a16:creationId xmlns:a16="http://schemas.microsoft.com/office/drawing/2014/main" id="{665FC75A-98D0-2D74-D0FD-1B510BE1469A}"/>
-              </a:ext>
-            </a:extLst>
-          </p:cNvPr>
-          <p:cNvCxnSpPr>
-            <a:cxnSpLocks/>
-          </p:cNvCxnSpPr>
-          <p:nvPr/>
-        </p:nvCxnSpPr>
-        <p:spPr>
-          <a:xfrm>
-            <a:off x="7883" y="3317427"/>
-            <a:ext cx="1825649" cy="0"/>
-          </a:xfrm>
-          <a:prstGeom prst="straightConnector1">
-            <a:avLst/>
-          </a:prstGeom>
-          <a:ln>
-            <a:solidFill>
-              <a:srgbClr val="00B050"/>
-            </a:solidFill>
-            <a:tailEnd type="triangle"/>
-          </a:ln>
-        </p:spPr>
-        <p:style>
-          <a:lnRef idx="2">
-            <a:schemeClr val="accent1"/>
-          </a:lnRef>
-          <a:fillRef idx="0">
-            <a:schemeClr val="accent1"/>
-          </a:fillRef>
-          <a:effectRef idx="1">
-            <a:schemeClr val="accent1"/>
-          </a:effectRef>
-          <a:fontRef idx="minor">
-            <a:schemeClr val="tx1"/>
-          </a:fontRef>
-        </p:style>
-      </p:cxnSp>
-      <p:cxnSp>
-        <p:nvCxnSpPr>
-          <p:cNvPr id="5" name="Straight Arrow Connector 4">
-            <a:extLst>
-              <a:ext uri="{FF2B5EF4-FFF2-40B4-BE49-F238E27FC236}">
-                <a16:creationId xmlns:a16="http://schemas.microsoft.com/office/drawing/2014/main" id="{E76083C9-211A-8F3B-03BE-188D545C8E7A}"/>
-              </a:ext>
-            </a:extLst>
-          </p:cNvPr>
-          <p:cNvCxnSpPr>
-            <a:cxnSpLocks/>
-          </p:cNvCxnSpPr>
-          <p:nvPr/>
-        </p:nvCxnSpPr>
-        <p:spPr>
-          <a:xfrm>
-            <a:off x="7883" y="3422530"/>
-            <a:ext cx="1825649" cy="0"/>
-          </a:xfrm>
-          <a:prstGeom prst="straightConnector1">
-            <a:avLst/>
-          </a:prstGeom>
-          <a:ln>
-            <a:solidFill>
-              <a:srgbClr val="00B050"/>
-            </a:solidFill>
-            <a:tailEnd type="triangle"/>
-          </a:ln>
-        </p:spPr>
-        <p:style>
-          <a:lnRef idx="2">
-            <a:schemeClr val="accent1"/>
-          </a:lnRef>
-          <a:fillRef idx="0">
-            <a:schemeClr val="accent1"/>
-          </a:fillRef>
-          <a:effectRef idx="1">
-            <a:schemeClr val="accent1"/>
-          </a:effectRef>
-          <a:fontRef idx="minor">
-            <a:schemeClr val="tx1"/>
-          </a:fontRef>
-        </p:style>
-      </p:cxnSp>
+        </p:grpSpPr>
+        <p:pic>
+          <p:nvPicPr>
+            <p:cNvPr id="3" name="Picture 2">
+              <a:extLst>
+                <a:ext uri="{FF2B5EF4-FFF2-40B4-BE49-F238E27FC236}">
+                  <a16:creationId xmlns:a16="http://schemas.microsoft.com/office/drawing/2014/main" id="{FA154C55-9584-91F9-E596-65FB9DBDA17F}"/>
+                </a:ext>
+              </a:extLst>
+            </p:cNvPr>
+            <p:cNvPicPr>
+              <a:picLocks noChangeAspect="1"/>
+            </p:cNvPicPr>
+            <p:nvPr/>
+          </p:nvPicPr>
+          <p:blipFill>
+            <a:blip r:embed="rId3"/>
+            <a:stretch>
+              <a:fillRect/>
+            </a:stretch>
+          </p:blipFill>
+          <p:spPr>
+            <a:xfrm>
+              <a:off x="1624118" y="2471860"/>
+              <a:ext cx="5996335" cy="2781443"/>
+            </a:xfrm>
+            <a:prstGeom prst="rect">
+              <a:avLst/>
+            </a:prstGeom>
+          </p:spPr>
+        </p:pic>
+        <p:cxnSp>
+          <p:nvCxnSpPr>
+            <p:cNvPr id="4" name="Straight Arrow Connector 3">
+              <a:extLst>
+                <a:ext uri="{FF2B5EF4-FFF2-40B4-BE49-F238E27FC236}">
+                  <a16:creationId xmlns:a16="http://schemas.microsoft.com/office/drawing/2014/main" id="{665FC75A-98D0-2D74-D0FD-1B510BE1469A}"/>
+                </a:ext>
+              </a:extLst>
+            </p:cNvPr>
+            <p:cNvCxnSpPr>
+              <a:cxnSpLocks/>
+            </p:cNvCxnSpPr>
+            <p:nvPr/>
+          </p:nvCxnSpPr>
+          <p:spPr>
+            <a:xfrm>
+              <a:off x="7883" y="3317427"/>
+              <a:ext cx="1825649" cy="0"/>
+            </a:xfrm>
+            <a:prstGeom prst="straightConnector1">
+              <a:avLst/>
+            </a:prstGeom>
+            <a:ln>
+              <a:solidFill>
+                <a:srgbClr val="00B050"/>
+              </a:solidFill>
+              <a:tailEnd type="triangle"/>
+            </a:ln>
+          </p:spPr>
+          <p:style>
+            <a:lnRef idx="2">
+              <a:schemeClr val="accent1"/>
+            </a:lnRef>
+            <a:fillRef idx="0">
+              <a:schemeClr val="accent1"/>
+            </a:fillRef>
+            <a:effectRef idx="1">
+              <a:schemeClr val="accent1"/>
+            </a:effectRef>
+            <a:fontRef idx="minor">
+              <a:schemeClr val="tx1"/>
+            </a:fontRef>
+          </p:style>
+        </p:cxnSp>
+        <p:cxnSp>
+          <p:nvCxnSpPr>
+            <p:cNvPr id="5" name="Straight Arrow Connector 4">
+              <a:extLst>
+                <a:ext uri="{FF2B5EF4-FFF2-40B4-BE49-F238E27FC236}">
+                  <a16:creationId xmlns:a16="http://schemas.microsoft.com/office/drawing/2014/main" id="{E76083C9-211A-8F3B-03BE-188D545C8E7A}"/>
+                </a:ext>
+              </a:extLst>
+            </p:cNvPr>
+            <p:cNvCxnSpPr>
+              <a:cxnSpLocks/>
+            </p:cNvCxnSpPr>
+            <p:nvPr/>
+          </p:nvCxnSpPr>
+          <p:spPr>
+            <a:xfrm>
+              <a:off x="7883" y="3422530"/>
+              <a:ext cx="1825649" cy="0"/>
+            </a:xfrm>
+            <a:prstGeom prst="straightConnector1">
+              <a:avLst/>
+            </a:prstGeom>
+            <a:ln>
+              <a:solidFill>
+                <a:srgbClr val="00B050"/>
+              </a:solidFill>
+              <a:tailEnd type="triangle"/>
+            </a:ln>
+          </p:spPr>
+          <p:style>
+            <a:lnRef idx="2">
+              <a:schemeClr val="accent1"/>
+            </a:lnRef>
+            <a:fillRef idx="0">
+              <a:schemeClr val="accent1"/>
+            </a:fillRef>
+            <a:effectRef idx="1">
+              <a:schemeClr val="accent1"/>
+            </a:effectRef>
+            <a:fontRef idx="minor">
+              <a:schemeClr val="tx1"/>
+            </a:fontRef>
+          </p:style>
+        </p:cxnSp>
+      </p:grpSp>
       <p:sp>
         <p:nvSpPr>
           <p:cNvPr id="7" name="TextBox 6">
@@ -11917,111 +11695,6 @@
                                   </p:childTnLst>
                                 </p:cTn>
                               </p:par>
-                              <p:par>
-                                <p:cTn id="16" presetID="10" presetClass="entr" presetSubtype="0" fill="hold" nodeType="withEffect">
-                                  <p:stCondLst>
-                                    <p:cond delay="0"/>
-                                  </p:stCondLst>
-                                  <p:childTnLst>
-                                    <p:set>
-                                      <p:cBhvr>
-                                        <p:cTn id="17" dur="1" fill="hold">
-                                          <p:stCondLst>
-                                            <p:cond delay="0"/>
-                                          </p:stCondLst>
-                                        </p:cTn>
-                                        <p:tgtEl>
-                                          <p:spTgt spid="3"/>
-                                        </p:tgtEl>
-                                        <p:attrNameLst>
-                                          <p:attrName>style.visibility</p:attrName>
-                                        </p:attrNameLst>
-                                      </p:cBhvr>
-                                      <p:to>
-                                        <p:strVal val="visible"/>
-                                      </p:to>
-                                    </p:set>
-                                    <p:animEffect transition="in" filter="fade">
-                                      <p:cBhvr>
-                                        <p:cTn id="18" dur="500"/>
-                                        <p:tgtEl>
-                                          <p:spTgt spid="3"/>
-                                        </p:tgtEl>
-                                      </p:cBhvr>
-                                    </p:animEffect>
-                                  </p:childTnLst>
-                                </p:cTn>
-                              </p:par>
-                              <p:par>
-                                <p:cTn id="19" presetID="10" presetClass="entr" presetSubtype="0" fill="hold" nodeType="withEffect">
-                                  <p:stCondLst>
-                                    <p:cond delay="0"/>
-                                  </p:stCondLst>
-                                  <p:childTnLst>
-                                    <p:set>
-                                      <p:cBhvr>
-                                        <p:cTn id="20" dur="1" fill="hold">
-                                          <p:stCondLst>
-                                            <p:cond delay="0"/>
-                                          </p:stCondLst>
-                                        </p:cTn>
-                                        <p:tgtEl>
-                                          <p:spTgt spid="4"/>
-                                        </p:tgtEl>
-                                        <p:attrNameLst>
-                                          <p:attrName>style.visibility</p:attrName>
-                                        </p:attrNameLst>
-                                      </p:cBhvr>
-                                      <p:to>
-                                        <p:strVal val="visible"/>
-                                      </p:to>
-                                    </p:set>
-                                    <p:animEffect transition="in" filter="fade">
-                                      <p:cBhvr>
-                                        <p:cTn id="21" dur="500"/>
-                                        <p:tgtEl>
-                                          <p:spTgt spid="4"/>
-                                        </p:tgtEl>
-                                      </p:cBhvr>
-                                    </p:animEffect>
-                                  </p:childTnLst>
-                                </p:cTn>
-                              </p:par>
-                              <p:par>
-                                <p:cTn id="22" presetID="10" presetClass="entr" presetSubtype="0" fill="hold" nodeType="withEffect">
-                                  <p:stCondLst>
-                                    <p:cond delay="0"/>
-                                  </p:stCondLst>
-                                  <p:childTnLst>
-                                    <p:set>
-                                      <p:cBhvr>
-                                        <p:cTn id="23" dur="1" fill="hold">
-                                          <p:stCondLst>
-                                            <p:cond delay="0"/>
-                                          </p:stCondLst>
-                                        </p:cTn>
-                                        <p:tgtEl>
-                                          <p:spTgt spid="5"/>
-                                        </p:tgtEl>
-                                        <p:attrNameLst>
-                                          <p:attrName>style.visibility</p:attrName>
-                                        </p:attrNameLst>
-                                      </p:cBhvr>
-                                      <p:to>
-                                        <p:strVal val="visible"/>
-                                      </p:to>
-                                    </p:set>
-                                    <p:animEffect transition="in" filter="fade">
-                                      <p:cBhvr>
-                                        <p:cTn id="24" dur="500"/>
-                                        <p:tgtEl>
-                                          <p:spTgt spid="5"/>
-                                        </p:tgtEl>
-                                      </p:cBhvr>
-                                    </p:animEffect>
-                                  </p:childTnLst>
-                                </p:cTn>
-                              </p:par>
                             </p:childTnLst>
                           </p:cTn>
                         </p:par>
@@ -12057,7 +11730,7 @@
 </p:sld>
 </file>
 
-<file path=ppt/slides/slide7.xml><?xml version="1.0" encoding="utf-8"?>
+<file path=ppt/slides/slide6.xml><?xml version="1.0" encoding="utf-8"?>
 <p:sld xmlns:a="http://schemas.openxmlformats.org/drawingml/2006/main" xmlns:r="http://schemas.openxmlformats.org/officeDocument/2006/relationships" xmlns:p="http://schemas.openxmlformats.org/presentationml/2006/main">
   <p:cSld>
     <p:spTree>
@@ -13038,7 +12711,7 @@
 </p:sld>
 </file>
 
-<file path=ppt/slides/slide8.xml><?xml version="1.0" encoding="utf-8"?>
+<file path=ppt/slides/slide7.xml><?xml version="1.0" encoding="utf-8"?>
 <p:sld xmlns:a="http://schemas.openxmlformats.org/drawingml/2006/main" xmlns:r="http://schemas.openxmlformats.org/officeDocument/2006/relationships" xmlns:p="http://schemas.openxmlformats.org/presentationml/2006/main">
   <p:cSld>
     <p:spTree>
@@ -13812,7 +13485,7 @@
 </p:sld>
 </file>
 
-<file path=ppt/slides/slide9.xml><?xml version="1.0" encoding="utf-8"?>
+<file path=ppt/slides/slide8.xml><?xml version="1.0" encoding="utf-8"?>
 <p:sld xmlns:a="http://schemas.openxmlformats.org/drawingml/2006/main" xmlns:r="http://schemas.openxmlformats.org/officeDocument/2006/relationships" xmlns:p="http://schemas.openxmlformats.org/presentationml/2006/main">
   <p:cSld>
     <p:spTree>
@@ -14591,6 +14264,188 @@
       </p:par>
     </p:tnLst>
   </p:timing>
+</p:sld>
+</file>
+
+<file path=ppt/slides/slide9.xml><?xml version="1.0" encoding="utf-8"?>
+<p:sld xmlns:a="http://schemas.openxmlformats.org/drawingml/2006/main" xmlns:r="http://schemas.openxmlformats.org/officeDocument/2006/relationships" xmlns:p="http://schemas.openxmlformats.org/presentationml/2006/main">
+  <p:cSld>
+    <p:spTree>
+      <p:nvGrpSpPr>
+        <p:cNvPr id="1" name=""/>
+        <p:cNvGrpSpPr/>
+        <p:nvPr/>
+      </p:nvGrpSpPr>
+      <p:grpSpPr>
+        <a:xfrm>
+          <a:off x="0" y="0"/>
+          <a:ext cx="0" cy="0"/>
+          <a:chOff x="0" y="0"/>
+          <a:chExt cx="0" cy="0"/>
+        </a:xfrm>
+      </p:grpSpPr>
+      <p:pic>
+        <p:nvPicPr>
+          <p:cNvPr id="6" name="Picture 5" descr="A circular design with lines and dots&#10;&#10;Description automatically generated">
+            <a:extLst>
+              <a:ext uri="{FF2B5EF4-FFF2-40B4-BE49-F238E27FC236}">
+                <a16:creationId xmlns:a16="http://schemas.microsoft.com/office/drawing/2014/main" id="{2EDCDF69-191A-422F-33B1-341000898EF5}"/>
+              </a:ext>
+            </a:extLst>
+          </p:cNvPr>
+          <p:cNvPicPr>
+            <a:picLocks noChangeAspect="1"/>
+          </p:cNvPicPr>
+          <p:nvPr/>
+        </p:nvPicPr>
+        <p:blipFill>
+          <a:blip r:embed="rId3">
+            <a:extLst>
+              <a:ext uri="{28A0092B-C50C-407E-A947-70E740481C1C}">
+                <a14:useLocalDpi xmlns:a14="http://schemas.microsoft.com/office/drawing/2010/main" val="0"/>
+              </a:ext>
+            </a:extLst>
+          </a:blip>
+          <a:stretch>
+            <a:fillRect/>
+          </a:stretch>
+        </p:blipFill>
+        <p:spPr>
+          <a:xfrm>
+            <a:off x="5334000" y="0"/>
+            <a:ext cx="6858000" cy="6858000"/>
+          </a:xfrm>
+          <a:prstGeom prst="rect">
+            <a:avLst/>
+          </a:prstGeom>
+        </p:spPr>
+      </p:pic>
+      <p:sp>
+        <p:nvSpPr>
+          <p:cNvPr id="7" name="Title 1">
+            <a:extLst>
+              <a:ext uri="{FF2B5EF4-FFF2-40B4-BE49-F238E27FC236}">
+                <a16:creationId xmlns:a16="http://schemas.microsoft.com/office/drawing/2014/main" id="{C035917E-B677-9283-F111-DF5A9DA69C49}"/>
+              </a:ext>
+            </a:extLst>
+          </p:cNvPr>
+          <p:cNvSpPr>
+            <a:spLocks noGrp="1"/>
+          </p:cNvSpPr>
+          <p:nvPr>
+            <p:ph type="title"/>
+          </p:nvPr>
+        </p:nvSpPr>
+        <p:spPr>
+          <a:xfrm>
+            <a:off x="411480" y="991443"/>
+            <a:ext cx="5292090" cy="1087819"/>
+          </a:xfrm>
+        </p:spPr>
+        <p:txBody>
+          <a:bodyPr vert="horz" lIns="91440" tIns="45720" rIns="91440" bIns="45720" rtlCol="0" anchor="b">
+            <a:noAutofit/>
+          </a:bodyPr>
+          <a:lstStyle/>
+          <a:p>
+            <a:r>
+              <a:rPr lang="en-US" sz="4313" spc="-49" dirty="0">
+                <a:ln w="3175">
+                  <a:noFill/>
+                </a:ln>
+                <a:solidFill>
+                  <a:schemeClr val="accent1">
+                    <a:lumMod val="75000"/>
+                  </a:schemeClr>
+                </a:solidFill>
+                <a:latin typeface="Segoe UI Semibold"/>
+                <a:ea typeface="+mn-ea"/>
+                <a:cs typeface="Segoe UI" pitchFamily="34" charset="0"/>
+              </a:rPr>
+              <a:t>Let’s dive into the code.</a:t>
+            </a:r>
+          </a:p>
+        </p:txBody>
+      </p:sp>
+      <p:sp>
+        <p:nvSpPr>
+          <p:cNvPr id="8" name="Rectangle 7">
+            <a:extLst>
+              <a:ext uri="{FF2B5EF4-FFF2-40B4-BE49-F238E27FC236}">
+                <a16:creationId xmlns:a16="http://schemas.microsoft.com/office/drawing/2014/main" id="{FF1A8E09-F3CA-27FA-76D1-E4CF17A39157}"/>
+              </a:ext>
+            </a:extLst>
+          </p:cNvPr>
+          <p:cNvSpPr/>
+          <p:nvPr/>
+        </p:nvSpPr>
+        <p:spPr>
+          <a:xfrm>
+            <a:off x="541020" y="618172"/>
+            <a:ext cx="948690" cy="125729"/>
+          </a:xfrm>
+          <a:prstGeom prst="rect">
+            <a:avLst/>
+          </a:prstGeom>
+          <a:solidFill>
+            <a:schemeClr val="accent1">
+              <a:lumMod val="20000"/>
+              <a:lumOff val="80000"/>
+            </a:schemeClr>
+          </a:solidFill>
+          <a:ln>
+            <a:solidFill>
+              <a:schemeClr val="accent1">
+                <a:lumMod val="20000"/>
+                <a:lumOff val="80000"/>
+              </a:schemeClr>
+            </a:solidFill>
+          </a:ln>
+        </p:spPr>
+        <p:style>
+          <a:lnRef idx="2">
+            <a:schemeClr val="accent1">
+              <a:shade val="15000"/>
+            </a:schemeClr>
+          </a:lnRef>
+          <a:fillRef idx="1">
+            <a:schemeClr val="accent1"/>
+          </a:fillRef>
+          <a:effectRef idx="0">
+            <a:schemeClr val="accent1"/>
+          </a:effectRef>
+          <a:fontRef idx="minor">
+            <a:schemeClr val="lt1"/>
+          </a:fontRef>
+        </p:style>
+        <p:txBody>
+          <a:bodyPr rtlCol="0" anchor="ctr"/>
+          <a:lstStyle/>
+          <a:p>
+            <a:pPr algn="ctr"/>
+            <a:endParaRPr lang="en-US">
+              <a:ln>
+                <a:solidFill>
+                  <a:schemeClr val="accent1">
+                    <a:lumMod val="40000"/>
+                    <a:lumOff val="60000"/>
+                  </a:schemeClr>
+                </a:solidFill>
+              </a:ln>
+            </a:endParaRPr>
+          </a:p>
+        </p:txBody>
+      </p:sp>
+    </p:spTree>
+    <p:extLst>
+      <p:ext uri="{BB962C8B-B14F-4D97-AF65-F5344CB8AC3E}">
+        <p14:creationId xmlns:p14="http://schemas.microsoft.com/office/powerpoint/2010/main" val="2187517480"/>
+      </p:ext>
+    </p:extLst>
+  </p:cSld>
+  <p:clrMapOvr>
+    <a:masterClrMapping/>
+  </p:clrMapOvr>
 </p:sld>
 </file>
 

--- a/ppts/Lesson2.pptx
+++ b/ppts/Lesson2.pptx
@@ -11846,7 +11846,7 @@
                 <a:latin typeface="Segoe UI Semibold" panose="020B0702040204020203" pitchFamily="34" charset="0"/>
                 <a:cs typeface="Segoe UI Semibold" panose="020B0702040204020203" pitchFamily="34" charset="0"/>
               </a:rPr>
-              <a:t>Can also use Interpolated Stings</a:t>
+              <a:t>Can also use Interpolated Strings</a:t>
             </a:r>
           </a:p>
           <a:p>
